--- a/Slides/Lesson 7.6 Context Arguments and Performance.pptx
+++ b/Slides/Lesson 7.6 Context Arguments and Performance.pptx
@@ -2,10 +2,10 @@
 <file path=ppt/presentation.xml><?xml version="1.0" encoding="utf-8"?>
 <p:presentation xmlns:a="http://schemas.openxmlformats.org/drawingml/2006/main" xmlns:r="http://schemas.openxmlformats.org/officeDocument/2006/relationships" xmlns:p="http://schemas.openxmlformats.org/presentationml/2006/main" saveSubsetFonts="1">
   <p:sldMasterIdLst>
-    <p:sldMasterId id="2147483648" r:id="rId1"/>
+    <p:sldMasterId id="2147483666" r:id="rId1"/>
   </p:sldMasterIdLst>
   <p:notesMasterIdLst>
-    <p:notesMasterId r:id="rId18"/>
+    <p:notesMasterId r:id="rId20"/>
   </p:notesMasterIdLst>
   <p:sldIdLst>
     <p:sldId id="257" r:id="rId2"/>
@@ -20,15 +20,17 @@
     <p:sldId id="354" r:id="rId11"/>
     <p:sldId id="356" r:id="rId12"/>
     <p:sldId id="357" r:id="rId13"/>
-    <p:sldId id="358" r:id="rId14"/>
-    <p:sldId id="359" r:id="rId15"/>
-    <p:sldId id="339" r:id="rId16"/>
-    <p:sldId id="340" r:id="rId17"/>
+    <p:sldId id="360" r:id="rId14"/>
+    <p:sldId id="363" r:id="rId15"/>
+    <p:sldId id="358" r:id="rId16"/>
+    <p:sldId id="359" r:id="rId17"/>
+    <p:sldId id="339" r:id="rId18"/>
+    <p:sldId id="340" r:id="rId19"/>
   </p:sldIdLst>
   <p:sldSz cx="9144000" cy="6858000" type="screen4x3"/>
   <p:notesSz cx="6858000" cy="9144000"/>
   <p:custDataLst>
-    <p:tags r:id="rId19"/>
+    <p:tags r:id="rId21"/>
   </p:custDataLst>
   <p:defaultTextStyle>
     <a:defPPr>
@@ -241,7 +243,7 @@
             <a:fld id="{CF8F25F6-E1EF-4065-8525-42EDEBD9BD22}" type="datetimeFigureOut">
               <a:rPr lang="en-US" smtClean="0"/>
               <a:pPr/>
-              <a:t>10/11/2014</a:t>
+              <a:t>9/28/2015</a:t>
             </a:fld>
             <a:endParaRPr lang="en-US"/>
           </a:p>
@@ -950,9 +952,9 @@
           <a:bodyPr/>
           <a:lstStyle/>
           <a:p>
-            <a:fld id="{A72502FE-E4FC-46AC-9423-BA455793D5A0}" type="datetime1">
-              <a:rPr lang="en-US" smtClean="0"/>
-              <a:t>10/11/2014</a:t>
+            <a:fld id="{2F1F79F5-7BEC-496A-AFC7-876E38F64D71}" type="datetime1">
+              <a:rPr lang="en-US" smtClean="0"/>
+              <a:t>9/28/2015</a:t>
             </a:fld>
             <a:endParaRPr lang="en-US"/>
           </a:p>
@@ -992,9 +994,8 @@
           <a:bodyPr/>
           <a:lstStyle/>
           <a:p>
-            <a:fld id="{9F4492BD-6A9C-48FC-AC76-0B4FE11194A1}" type="slidenum">
-              <a:rPr lang="en-US" smtClean="0"/>
-              <a:pPr/>
+            <a:fld id="{2AF3B5EA-18B6-4040-9F78-6052AF49C681}" type="slidenum">
+              <a:rPr lang="en-US" smtClean="0"/>
               <a:t>‹#›</a:t>
             </a:fld>
             <a:endParaRPr lang="en-US"/>
@@ -1002,6 +1003,11 @@
         </p:txBody>
       </p:sp>
     </p:spTree>
+    <p:extLst>
+      <p:ext uri="{BB962C8B-B14F-4D97-AF65-F5344CB8AC3E}">
+        <p14:creationId xmlns:p14="http://schemas.microsoft.com/office/powerpoint/2010/main" val="3760696876"/>
+      </p:ext>
+    </p:extLst>
   </p:cSld>
   <p:clrMapOvr>
     <a:masterClrMapping/>
@@ -1017,6 +1023,378 @@
 </file>
 
 <file path=ppt/slideLayouts/slideLayout10.xml><?xml version="1.0" encoding="utf-8"?>
+<p:sldLayout xmlns:a="http://schemas.openxmlformats.org/drawingml/2006/main" xmlns:r="http://schemas.openxmlformats.org/officeDocument/2006/relationships" xmlns:p="http://schemas.openxmlformats.org/presentationml/2006/main" type="blank" preserve="1">
+  <p:cSld name="Blank">
+    <p:spTree>
+      <p:nvGrpSpPr>
+        <p:cNvPr id="1" name=""/>
+        <p:cNvGrpSpPr/>
+        <p:nvPr/>
+      </p:nvGrpSpPr>
+      <p:grpSpPr>
+        <a:xfrm>
+          <a:off x="0" y="0"/>
+          <a:ext cx="0" cy="0"/>
+          <a:chOff x="0" y="0"/>
+          <a:chExt cx="0" cy="0"/>
+        </a:xfrm>
+      </p:grpSpPr>
+      <p:sp>
+        <p:nvSpPr>
+          <p:cNvPr id="2" name="Date Placeholder 1"/>
+          <p:cNvSpPr>
+            <a:spLocks noGrp="1"/>
+          </p:cNvSpPr>
+          <p:nvPr>
+            <p:ph type="dt" sz="half" idx="10"/>
+          </p:nvPr>
+        </p:nvSpPr>
+        <p:spPr/>
+        <p:txBody>
+          <a:bodyPr/>
+          <a:lstStyle/>
+          <a:p>
+            <a:fld id="{0A05703A-7669-4FEA-9056-25299B4D29D4}" type="datetime1">
+              <a:rPr lang="en-US" smtClean="0"/>
+              <a:t>9/28/2015</a:t>
+            </a:fld>
+            <a:endParaRPr lang="en-US"/>
+          </a:p>
+        </p:txBody>
+      </p:sp>
+      <p:sp>
+        <p:nvSpPr>
+          <p:cNvPr id="3" name="Footer Placeholder 2"/>
+          <p:cNvSpPr>
+            <a:spLocks noGrp="1"/>
+          </p:cNvSpPr>
+          <p:nvPr>
+            <p:ph type="ftr" sz="quarter" idx="11"/>
+          </p:nvPr>
+        </p:nvSpPr>
+        <p:spPr/>
+        <p:txBody>
+          <a:bodyPr/>
+          <a:lstStyle/>
+          <a:p>
+            <a:endParaRPr lang="en-US"/>
+          </a:p>
+        </p:txBody>
+      </p:sp>
+      <p:sp>
+        <p:nvSpPr>
+          <p:cNvPr id="4" name="Slide Number Placeholder 3"/>
+          <p:cNvSpPr>
+            <a:spLocks noGrp="1"/>
+          </p:cNvSpPr>
+          <p:nvPr>
+            <p:ph type="sldNum" sz="quarter" idx="12"/>
+          </p:nvPr>
+        </p:nvSpPr>
+        <p:spPr/>
+        <p:txBody>
+          <a:bodyPr/>
+          <a:lstStyle/>
+          <a:p>
+            <a:fld id="{2AF3B5EA-18B6-4040-9F78-6052AF49C681}" type="slidenum">
+              <a:rPr lang="en-US" smtClean="0"/>
+              <a:t>‹#›</a:t>
+            </a:fld>
+            <a:endParaRPr lang="en-US"/>
+          </a:p>
+        </p:txBody>
+      </p:sp>
+    </p:spTree>
+    <p:extLst>
+      <p:ext uri="{BB962C8B-B14F-4D97-AF65-F5344CB8AC3E}">
+        <p14:creationId xmlns:p14="http://schemas.microsoft.com/office/powerpoint/2010/main" val="1965402222"/>
+      </p:ext>
+    </p:extLst>
+  </p:cSld>
+  <p:clrMapOvr>
+    <a:masterClrMapping/>
+  </p:clrMapOvr>
+</p:sldLayout>
+</file>
+
+<file path=ppt/slideLayouts/slideLayout11.xml><?xml version="1.0" encoding="utf-8"?>
+<p:sldLayout xmlns:a="http://schemas.openxmlformats.org/drawingml/2006/main" xmlns:r="http://schemas.openxmlformats.org/officeDocument/2006/relationships" xmlns:p="http://schemas.openxmlformats.org/presentationml/2006/main" type="objTx" preserve="1">
+  <p:cSld name="Content with Caption">
+    <p:spTree>
+      <p:nvGrpSpPr>
+        <p:cNvPr id="1" name=""/>
+        <p:cNvGrpSpPr/>
+        <p:nvPr/>
+      </p:nvGrpSpPr>
+      <p:grpSpPr>
+        <a:xfrm>
+          <a:off x="0" y="0"/>
+          <a:ext cx="0" cy="0"/>
+          <a:chOff x="0" y="0"/>
+          <a:chExt cx="0" cy="0"/>
+        </a:xfrm>
+      </p:grpSpPr>
+      <p:sp>
+        <p:nvSpPr>
+          <p:cNvPr id="2" name="Title 1"/>
+          <p:cNvSpPr>
+            <a:spLocks noGrp="1"/>
+          </p:cNvSpPr>
+          <p:nvPr>
+            <p:ph type="title"/>
+          </p:nvPr>
+        </p:nvSpPr>
+        <p:spPr>
+          <a:xfrm>
+            <a:off x="457200" y="273050"/>
+            <a:ext cx="3008313" cy="1162050"/>
+          </a:xfrm>
+        </p:spPr>
+        <p:txBody>
+          <a:bodyPr anchor="b"/>
+          <a:lstStyle>
+            <a:lvl1pPr algn="l">
+              <a:defRPr sz="2000" b="1"/>
+            </a:lvl1pPr>
+          </a:lstStyle>
+          <a:p>
+            <a:r>
+              <a:rPr lang="en-US" smtClean="0"/>
+              <a:t>Click to edit Master title style</a:t>
+            </a:r>
+            <a:endParaRPr lang="en-US"/>
+          </a:p>
+        </p:txBody>
+      </p:sp>
+      <p:sp>
+        <p:nvSpPr>
+          <p:cNvPr id="3" name="Content Placeholder 2"/>
+          <p:cNvSpPr>
+            <a:spLocks noGrp="1"/>
+          </p:cNvSpPr>
+          <p:nvPr>
+            <p:ph idx="1"/>
+          </p:nvPr>
+        </p:nvSpPr>
+        <p:spPr>
+          <a:xfrm>
+            <a:off x="3575050" y="273050"/>
+            <a:ext cx="5111750" cy="5853113"/>
+          </a:xfrm>
+        </p:spPr>
+        <p:txBody>
+          <a:bodyPr/>
+          <a:lstStyle>
+            <a:lvl1pPr>
+              <a:defRPr sz="3200"/>
+            </a:lvl1pPr>
+            <a:lvl2pPr>
+              <a:defRPr sz="2800"/>
+            </a:lvl2pPr>
+            <a:lvl3pPr>
+              <a:defRPr sz="2400"/>
+            </a:lvl3pPr>
+            <a:lvl4pPr>
+              <a:defRPr sz="2000"/>
+            </a:lvl4pPr>
+            <a:lvl5pPr>
+              <a:defRPr sz="2000"/>
+            </a:lvl5pPr>
+            <a:lvl6pPr>
+              <a:defRPr sz="2000"/>
+            </a:lvl6pPr>
+            <a:lvl7pPr>
+              <a:defRPr sz="2000"/>
+            </a:lvl7pPr>
+            <a:lvl8pPr>
+              <a:defRPr sz="2000"/>
+            </a:lvl8pPr>
+            <a:lvl9pPr>
+              <a:defRPr sz="2000"/>
+            </a:lvl9pPr>
+          </a:lstStyle>
+          <a:p>
+            <a:pPr lvl="0"/>
+            <a:r>
+              <a:rPr lang="en-US" smtClean="0"/>
+              <a:t>Click to edit Master text styles</a:t>
+            </a:r>
+          </a:p>
+          <a:p>
+            <a:pPr lvl="1"/>
+            <a:r>
+              <a:rPr lang="en-US" smtClean="0"/>
+              <a:t>Second level</a:t>
+            </a:r>
+          </a:p>
+          <a:p>
+            <a:pPr lvl="2"/>
+            <a:r>
+              <a:rPr lang="en-US" smtClean="0"/>
+              <a:t>Third level</a:t>
+            </a:r>
+          </a:p>
+          <a:p>
+            <a:pPr lvl="3"/>
+            <a:r>
+              <a:rPr lang="en-US" smtClean="0"/>
+              <a:t>Fourth level</a:t>
+            </a:r>
+          </a:p>
+          <a:p>
+            <a:pPr lvl="4"/>
+            <a:r>
+              <a:rPr lang="en-US" smtClean="0"/>
+              <a:t>Fifth level</a:t>
+            </a:r>
+            <a:endParaRPr lang="en-US"/>
+          </a:p>
+        </p:txBody>
+      </p:sp>
+      <p:sp>
+        <p:nvSpPr>
+          <p:cNvPr id="4" name="Text Placeholder 3"/>
+          <p:cNvSpPr>
+            <a:spLocks noGrp="1"/>
+          </p:cNvSpPr>
+          <p:nvPr>
+            <p:ph type="body" sz="half" idx="2"/>
+          </p:nvPr>
+        </p:nvSpPr>
+        <p:spPr>
+          <a:xfrm>
+            <a:off x="457200" y="1435100"/>
+            <a:ext cx="3008313" cy="4691063"/>
+          </a:xfrm>
+        </p:spPr>
+        <p:txBody>
+          <a:bodyPr/>
+          <a:lstStyle>
+            <a:lvl1pPr marL="0" indent="0">
+              <a:buNone/>
+              <a:defRPr sz="1400"/>
+            </a:lvl1pPr>
+            <a:lvl2pPr marL="457200" indent="0">
+              <a:buNone/>
+              <a:defRPr sz="1200"/>
+            </a:lvl2pPr>
+            <a:lvl3pPr marL="914400" indent="0">
+              <a:buNone/>
+              <a:defRPr sz="1000"/>
+            </a:lvl3pPr>
+            <a:lvl4pPr marL="1371600" indent="0">
+              <a:buNone/>
+              <a:defRPr sz="900"/>
+            </a:lvl4pPr>
+            <a:lvl5pPr marL="1828800" indent="0">
+              <a:buNone/>
+              <a:defRPr sz="900"/>
+            </a:lvl5pPr>
+            <a:lvl6pPr marL="2286000" indent="0">
+              <a:buNone/>
+              <a:defRPr sz="900"/>
+            </a:lvl6pPr>
+            <a:lvl7pPr marL="2743200" indent="0">
+              <a:buNone/>
+              <a:defRPr sz="900"/>
+            </a:lvl7pPr>
+            <a:lvl8pPr marL="3200400" indent="0">
+              <a:buNone/>
+              <a:defRPr sz="900"/>
+            </a:lvl8pPr>
+            <a:lvl9pPr marL="3657600" indent="0">
+              <a:buNone/>
+              <a:defRPr sz="900"/>
+            </a:lvl9pPr>
+          </a:lstStyle>
+          <a:p>
+            <a:pPr lvl="0"/>
+            <a:r>
+              <a:rPr lang="en-US" smtClean="0"/>
+              <a:t>Click to edit Master text styles</a:t>
+            </a:r>
+          </a:p>
+        </p:txBody>
+      </p:sp>
+      <p:sp>
+        <p:nvSpPr>
+          <p:cNvPr id="5" name="Date Placeholder 4"/>
+          <p:cNvSpPr>
+            <a:spLocks noGrp="1"/>
+          </p:cNvSpPr>
+          <p:nvPr>
+            <p:ph type="dt" sz="half" idx="10"/>
+          </p:nvPr>
+        </p:nvSpPr>
+        <p:spPr/>
+        <p:txBody>
+          <a:bodyPr/>
+          <a:lstStyle/>
+          <a:p>
+            <a:fld id="{6E5077B5-BB57-49DB-88CA-226A139E5C01}" type="datetime1">
+              <a:rPr lang="en-US" smtClean="0"/>
+              <a:t>9/28/2015</a:t>
+            </a:fld>
+            <a:endParaRPr lang="en-US"/>
+          </a:p>
+        </p:txBody>
+      </p:sp>
+      <p:sp>
+        <p:nvSpPr>
+          <p:cNvPr id="6" name="Footer Placeholder 5"/>
+          <p:cNvSpPr>
+            <a:spLocks noGrp="1"/>
+          </p:cNvSpPr>
+          <p:nvPr>
+            <p:ph type="ftr" sz="quarter" idx="11"/>
+          </p:nvPr>
+        </p:nvSpPr>
+        <p:spPr/>
+        <p:txBody>
+          <a:bodyPr/>
+          <a:lstStyle/>
+          <a:p>
+            <a:endParaRPr lang="en-US"/>
+          </a:p>
+        </p:txBody>
+      </p:sp>
+      <p:sp>
+        <p:nvSpPr>
+          <p:cNvPr id="7" name="Slide Number Placeholder 6"/>
+          <p:cNvSpPr>
+            <a:spLocks noGrp="1"/>
+          </p:cNvSpPr>
+          <p:nvPr>
+            <p:ph type="sldNum" sz="quarter" idx="12"/>
+          </p:nvPr>
+        </p:nvSpPr>
+        <p:spPr/>
+        <p:txBody>
+          <a:bodyPr/>
+          <a:lstStyle/>
+          <a:p>
+            <a:fld id="{2AF3B5EA-18B6-4040-9F78-6052AF49C681}" type="slidenum">
+              <a:rPr lang="en-US" smtClean="0"/>
+              <a:t>‹#›</a:t>
+            </a:fld>
+            <a:endParaRPr lang="en-US"/>
+          </a:p>
+        </p:txBody>
+      </p:sp>
+    </p:spTree>
+    <p:extLst>
+      <p:ext uri="{BB962C8B-B14F-4D97-AF65-F5344CB8AC3E}">
+        <p14:creationId xmlns:p14="http://schemas.microsoft.com/office/powerpoint/2010/main" val="2834175013"/>
+      </p:ext>
+    </p:extLst>
+  </p:cSld>
+  <p:clrMapOvr>
+    <a:masterClrMapping/>
+  </p:clrMapOvr>
+</p:sldLayout>
+</file>
+
+<file path=ppt/slideLayouts/slideLayout12.xml><?xml version="1.0" encoding="utf-8"?>
 <p:sldLayout xmlns:a="http://schemas.openxmlformats.org/drawingml/2006/main" xmlns:r="http://schemas.openxmlformats.org/officeDocument/2006/relationships" xmlns:p="http://schemas.openxmlformats.org/presentationml/2006/main" type="picTx" preserve="1">
   <p:cSld name="Picture with Caption">
     <p:spTree>
@@ -1206,9 +1584,9 @@
           <a:bodyPr/>
           <a:lstStyle/>
           <a:p>
-            <a:fld id="{D95626F3-3A68-4827-B90C-2C0D4B91E44C}" type="datetime1">
-              <a:rPr lang="en-US" smtClean="0"/>
-              <a:t>10/11/2014</a:t>
+            <a:fld id="{C48D9447-CBD6-49A1-89FD-8512A8CF8999}" type="datetime1">
+              <a:rPr lang="en-US" smtClean="0"/>
+              <a:t>9/28/2015</a:t>
             </a:fld>
             <a:endParaRPr lang="en-US"/>
           </a:p>
@@ -1248,9 +1626,8 @@
           <a:bodyPr/>
           <a:lstStyle/>
           <a:p>
-            <a:fld id="{9F4492BD-6A9C-48FC-AC76-0B4FE11194A1}" type="slidenum">
-              <a:rPr lang="en-US" smtClean="0"/>
-              <a:pPr/>
+            <a:fld id="{2AF3B5EA-18B6-4040-9F78-6052AF49C681}" type="slidenum">
+              <a:rPr lang="en-US" smtClean="0"/>
               <a:t>‹#›</a:t>
             </a:fld>
             <a:endParaRPr lang="en-US"/>
@@ -1258,6 +1635,11 @@
         </p:txBody>
       </p:sp>
     </p:spTree>
+    <p:extLst>
+      <p:ext uri="{BB962C8B-B14F-4D97-AF65-F5344CB8AC3E}">
+        <p14:creationId xmlns:p14="http://schemas.microsoft.com/office/powerpoint/2010/main" val="2530133810"/>
+      </p:ext>
+    </p:extLst>
   </p:cSld>
   <p:clrMapOvr>
     <a:masterClrMapping/>
@@ -1265,7 +1647,7 @@
 </p:sldLayout>
 </file>
 
-<file path=ppt/slideLayouts/slideLayout11.xml><?xml version="1.0" encoding="utf-8"?>
+<file path=ppt/slideLayouts/slideLayout13.xml><?xml version="1.0" encoding="utf-8"?>
 <p:sldLayout xmlns:a="http://schemas.openxmlformats.org/drawingml/2006/main" xmlns:r="http://schemas.openxmlformats.org/officeDocument/2006/relationships" xmlns:p="http://schemas.openxmlformats.org/presentationml/2006/main" type="vertTx" preserve="1">
   <p:cSld name="Title and Vertical Text">
     <p:spTree>
@@ -1372,9 +1754,9 @@
           <a:bodyPr/>
           <a:lstStyle/>
           <a:p>
-            <a:fld id="{468A1565-E6D4-4F2D-9423-F05F23BBC62E}" type="datetime1">
-              <a:rPr lang="en-US" smtClean="0"/>
-              <a:t>10/11/2014</a:t>
+            <a:fld id="{A3639A2A-823D-48B7-9ACE-7FAF42870BA9}" type="datetime1">
+              <a:rPr lang="en-US" smtClean="0"/>
+              <a:t>9/28/2015</a:t>
             </a:fld>
             <a:endParaRPr lang="en-US"/>
           </a:p>
@@ -1414,9 +1796,8 @@
           <a:bodyPr/>
           <a:lstStyle/>
           <a:p>
-            <a:fld id="{9F4492BD-6A9C-48FC-AC76-0B4FE11194A1}" type="slidenum">
-              <a:rPr lang="en-US" smtClean="0"/>
-              <a:pPr/>
+            <a:fld id="{2AF3B5EA-18B6-4040-9F78-6052AF49C681}" type="slidenum">
+              <a:rPr lang="en-US" smtClean="0"/>
               <a:t>‹#›</a:t>
             </a:fld>
             <a:endParaRPr lang="en-US"/>
@@ -1424,6 +1805,11 @@
         </p:txBody>
       </p:sp>
     </p:spTree>
+    <p:extLst>
+      <p:ext uri="{BB962C8B-B14F-4D97-AF65-F5344CB8AC3E}">
+        <p14:creationId xmlns:p14="http://schemas.microsoft.com/office/powerpoint/2010/main" val="2088238816"/>
+      </p:ext>
+    </p:extLst>
   </p:cSld>
   <p:clrMapOvr>
     <a:masterClrMapping/>
@@ -1431,7 +1817,7 @@
 </p:sldLayout>
 </file>
 
-<file path=ppt/slideLayouts/slideLayout12.xml><?xml version="1.0" encoding="utf-8"?>
+<file path=ppt/slideLayouts/slideLayout14.xml><?xml version="1.0" encoding="utf-8"?>
 <p:sldLayout xmlns:a="http://schemas.openxmlformats.org/drawingml/2006/main" xmlns:r="http://schemas.openxmlformats.org/officeDocument/2006/relationships" xmlns:p="http://schemas.openxmlformats.org/presentationml/2006/main" type="vertTitleAndTx" preserve="1">
   <p:cSld name="Vertical Title and Text">
     <p:spTree>
@@ -1548,9 +1934,9 @@
           <a:bodyPr/>
           <a:lstStyle/>
           <a:p>
-            <a:fld id="{2899BAA6-702D-401E-8C04-4D325CE526F9}" type="datetime1">
-              <a:rPr lang="en-US" smtClean="0"/>
-              <a:t>10/11/2014</a:t>
+            <a:fld id="{ED1B6996-82E9-463C-972C-7B56056E426C}" type="datetime1">
+              <a:rPr lang="en-US" smtClean="0"/>
+              <a:t>9/28/2015</a:t>
             </a:fld>
             <a:endParaRPr lang="en-US"/>
           </a:p>
@@ -1590,9 +1976,8 @@
           <a:bodyPr/>
           <a:lstStyle/>
           <a:p>
-            <a:fld id="{9F4492BD-6A9C-48FC-AC76-0B4FE11194A1}" type="slidenum">
-              <a:rPr lang="en-US" smtClean="0"/>
-              <a:pPr/>
+            <a:fld id="{2AF3B5EA-18B6-4040-9F78-6052AF49C681}" type="slidenum">
+              <a:rPr lang="en-US" smtClean="0"/>
               <a:t>‹#›</a:t>
             </a:fld>
             <a:endParaRPr lang="en-US"/>
@@ -1600,6 +1985,11 @@
         </p:txBody>
       </p:sp>
     </p:spTree>
+    <p:extLst>
+      <p:ext uri="{BB962C8B-B14F-4D97-AF65-F5344CB8AC3E}">
+        <p14:creationId xmlns:p14="http://schemas.microsoft.com/office/powerpoint/2010/main" val="3310538351"/>
+      </p:ext>
+    </p:extLst>
   </p:cSld>
   <p:clrMapOvr>
     <a:masterClrMapping/>
@@ -1641,14 +2031,72 @@
             <p:ph type="title"/>
           </p:nvPr>
         </p:nvSpPr>
+        <p:spPr>
+          <a:ln w="28575">
+            <a:solidFill>
+              <a:schemeClr val="accent1"/>
+            </a:solidFill>
+          </a:ln>
+        </p:spPr>
+        <p:txBody>
+          <a:bodyPr/>
+          <a:lstStyle/>
+          <a:p>
+            <a:r>
+              <a:rPr lang="en-US" dirty="0" smtClean="0"/>
+              <a:t>Click to edit Master title style</a:t>
+            </a:r>
+            <a:endParaRPr lang="en-US" dirty="0"/>
+          </a:p>
+        </p:txBody>
+      </p:sp>
+      <p:sp>
+        <p:nvSpPr>
+          <p:cNvPr id="3" name="Content Placeholder 2"/>
+          <p:cNvSpPr>
+            <a:spLocks noGrp="1"/>
+          </p:cNvSpPr>
+          <p:nvPr>
+            <p:ph idx="1"/>
+          </p:nvPr>
+        </p:nvSpPr>
         <p:spPr/>
         <p:txBody>
           <a:bodyPr/>
           <a:lstStyle/>
           <a:p>
-            <a:r>
-              <a:rPr lang="en-US" smtClean="0"/>
-              <a:t>Click to edit Master title style</a:t>
+            <a:pPr lvl="0"/>
+            <a:r>
+              <a:rPr lang="en-US" smtClean="0"/>
+              <a:t>Click to edit Master text styles</a:t>
+            </a:r>
+          </a:p>
+          <a:p>
+            <a:pPr lvl="1"/>
+            <a:r>
+              <a:rPr lang="en-US" smtClean="0"/>
+              <a:t>Second level</a:t>
+            </a:r>
+          </a:p>
+          <a:p>
+            <a:pPr lvl="2"/>
+            <a:r>
+              <a:rPr lang="en-US" smtClean="0"/>
+              <a:t>Third level</a:t>
+            </a:r>
+          </a:p>
+          <a:p>
+            <a:pPr lvl="3"/>
+            <a:r>
+              <a:rPr lang="en-US" smtClean="0"/>
+              <a:t>Fourth level</a:t>
+            </a:r>
+          </a:p>
+          <a:p>
+            <a:pPr lvl="4"/>
+            <a:r>
+              <a:rPr lang="en-US" smtClean="0"/>
+              <a:t>Fifth level</a:t>
             </a:r>
             <a:endParaRPr lang="en-US"/>
           </a:p>
@@ -1656,12 +2104,12 @@
       </p:sp>
       <p:sp>
         <p:nvSpPr>
-          <p:cNvPr id="3" name="Content Placeholder 2"/>
-          <p:cNvSpPr>
-            <a:spLocks noGrp="1"/>
-          </p:cNvSpPr>
-          <p:nvPr>
-            <p:ph idx="1"/>
+          <p:cNvPr id="4" name="Date Placeholder 3"/>
+          <p:cNvSpPr>
+            <a:spLocks noGrp="1"/>
+          </p:cNvSpPr>
+          <p:nvPr>
+            <p:ph type="dt" sz="half" idx="10"/>
           </p:nvPr>
         </p:nvSpPr>
         <p:spPr/>
@@ -1669,61 +2117,9 @@
           <a:bodyPr/>
           <a:lstStyle/>
           <a:p>
-            <a:pPr lvl="0"/>
-            <a:r>
-              <a:rPr lang="en-US" smtClean="0"/>
-              <a:t>Click to edit Master text styles</a:t>
-            </a:r>
-          </a:p>
-          <a:p>
-            <a:pPr lvl="1"/>
-            <a:r>
-              <a:rPr lang="en-US" smtClean="0"/>
-              <a:t>Second level</a:t>
-            </a:r>
-          </a:p>
-          <a:p>
-            <a:pPr lvl="2"/>
-            <a:r>
-              <a:rPr lang="en-US" smtClean="0"/>
-              <a:t>Third level</a:t>
-            </a:r>
-          </a:p>
-          <a:p>
-            <a:pPr lvl="3"/>
-            <a:r>
-              <a:rPr lang="en-US" smtClean="0"/>
-              <a:t>Fourth level</a:t>
-            </a:r>
-          </a:p>
-          <a:p>
-            <a:pPr lvl="4"/>
-            <a:r>
-              <a:rPr lang="en-US" smtClean="0"/>
-              <a:t>Fifth level</a:t>
-            </a:r>
-            <a:endParaRPr lang="en-US"/>
-          </a:p>
-        </p:txBody>
-      </p:sp>
-      <p:sp>
-        <p:nvSpPr>
-          <p:cNvPr id="4" name="Date Placeholder 3"/>
-          <p:cNvSpPr>
-            <a:spLocks noGrp="1"/>
-          </p:cNvSpPr>
-          <p:nvPr>
-            <p:ph type="dt" sz="half" idx="10"/>
-          </p:nvPr>
-        </p:nvSpPr>
-        <p:spPr/>
-        <p:txBody>
-          <a:bodyPr/>
-          <a:lstStyle/>
-          <a:p>
-            <a:fld id="{E3DC4901-4183-4EFB-9BE0-B8EE1DEF80DA}" type="datetime1">
-              <a:rPr lang="en-US" smtClean="0"/>
-              <a:t>10/11/2014</a:t>
+            <a:fld id="{E22ED4DA-448D-4BB1-B935-CC112220207B}" type="datetime1">
+              <a:rPr lang="en-US" smtClean="0"/>
+              <a:t>9/28/2015</a:t>
             </a:fld>
             <a:endParaRPr lang="en-US"/>
           </a:p>
@@ -1763,9 +2159,8 @@
           <a:bodyPr/>
           <a:lstStyle/>
           <a:p>
-            <a:fld id="{9F4492BD-6A9C-48FC-AC76-0B4FE11194A1}" type="slidenum">
-              <a:rPr lang="en-US" smtClean="0"/>
-              <a:pPr/>
+            <a:fld id="{2AF3B5EA-18B6-4040-9F78-6052AF49C681}" type="slidenum">
+              <a:rPr lang="en-US" smtClean="0"/>
               <a:t>‹#›</a:t>
             </a:fld>
             <a:endParaRPr lang="en-US"/>
@@ -1773,6 +2168,11 @@
         </p:txBody>
       </p:sp>
     </p:spTree>
+    <p:extLst>
+      <p:ext uri="{BB962C8B-B14F-4D97-AF65-F5344CB8AC3E}">
+        <p14:creationId xmlns:p14="http://schemas.microsoft.com/office/powerpoint/2010/main" val="3947364632"/>
+      </p:ext>
+    </p:extLst>
   </p:cSld>
   <p:clrMapOvr>
     <a:masterClrMapping/>
@@ -1789,7 +2189,7 @@
 
 <file path=ppt/slideLayouts/slideLayout3.xml><?xml version="1.0" encoding="utf-8"?>
 <p:sldLayout xmlns:a="http://schemas.openxmlformats.org/drawingml/2006/main" xmlns:r="http://schemas.openxmlformats.org/officeDocument/2006/relationships" xmlns:p="http://schemas.openxmlformats.org/presentationml/2006/main" type="obj" preserve="1">
-  <p:cSld name="1_Code">
+  <p:cSld name="Video">
     <p:spTree>
       <p:nvGrpSpPr>
         <p:cNvPr id="1" name=""/>
@@ -1837,18 +2237,15 @@
             <p:ph idx="1"/>
           </p:nvPr>
         </p:nvSpPr>
-        <p:spPr/>
+        <p:spPr>
+          <a:xfrm>
+            <a:off x="1523999" y="2590798"/>
+            <a:ext cx="6096000" cy="2544763"/>
+          </a:xfrm>
+        </p:spPr>
         <p:txBody>
           <a:bodyPr/>
-          <a:lstStyle>
-            <a:lvl1pPr>
-              <a:buNone/>
-              <a:defRPr b="1">
-                <a:latin typeface="Consolas" pitchFamily="49" charset="0"/>
-                <a:cs typeface="Consolas" pitchFamily="49" charset="0"/>
-              </a:defRPr>
-            </a:lvl1pPr>
-          </a:lstStyle>
+          <a:lstStyle/>
           <a:p>
             <a:pPr lvl="0"/>
             <a:r>
@@ -1902,21 +2299,101 @@
           <a:bodyPr/>
           <a:lstStyle/>
           <a:p>
-            <a:fld id="{6AF9DC5C-DDE3-4460-BF12-FE2EAFAFAFC3}" type="datetime1">
-              <a:rPr lang="en-US" smtClean="0">
-                <a:solidFill>
-                  <a:prstClr val="black">
-                    <a:tint val="75000"/>
-                  </a:prstClr>
-                </a:solidFill>
-              </a:rPr>
-              <a:t>10/11/2014</a:t>
+            <a:fld id="{E22ED4DA-448D-4BB1-B935-CC112220207B}" type="datetime1">
+              <a:rPr lang="en-US" smtClean="0"/>
+              <a:t>9/28/2015</a:t>
             </a:fld>
-            <a:endParaRPr lang="en-US">
+            <a:endParaRPr lang="en-US"/>
+          </a:p>
+        </p:txBody>
+      </p:sp>
+      <p:sp>
+        <p:nvSpPr>
+          <p:cNvPr id="5" name="Footer Placeholder 4"/>
+          <p:cNvSpPr>
+            <a:spLocks noGrp="1"/>
+          </p:cNvSpPr>
+          <p:nvPr>
+            <p:ph type="ftr" sz="quarter" idx="11"/>
+          </p:nvPr>
+        </p:nvSpPr>
+        <p:spPr/>
+        <p:txBody>
+          <a:bodyPr/>
+          <a:lstStyle/>
+          <a:p>
+            <a:endParaRPr lang="en-US"/>
+          </a:p>
+        </p:txBody>
+      </p:sp>
+      <p:sp>
+        <p:nvSpPr>
+          <p:cNvPr id="6" name="Slide Number Placeholder 5"/>
+          <p:cNvSpPr>
+            <a:spLocks noGrp="1"/>
+          </p:cNvSpPr>
+          <p:nvPr>
+            <p:ph type="sldNum" sz="quarter" idx="12"/>
+          </p:nvPr>
+        </p:nvSpPr>
+        <p:spPr/>
+        <p:txBody>
+          <a:bodyPr/>
+          <a:lstStyle/>
+          <a:p>
+            <a:fld id="{2AF3B5EA-18B6-4040-9F78-6052AF49C681}" type="slidenum">
+              <a:rPr lang="en-US" smtClean="0"/>
+              <a:t>‹#›</a:t>
+            </a:fld>
+            <a:endParaRPr lang="en-US"/>
+          </a:p>
+        </p:txBody>
+      </p:sp>
+      <p:sp>
+        <p:nvSpPr>
+          <p:cNvPr id="7" name="Rectangle 6"/>
+          <p:cNvSpPr/>
+          <p:nvPr userDrawn="1"/>
+        </p:nvSpPr>
+        <p:spPr>
+          <a:xfrm>
+            <a:off x="794551" y="1719223"/>
+            <a:ext cx="7554897" cy="4287915"/>
+          </a:xfrm>
+          <a:prstGeom prst="rect">
+            <a:avLst/>
+          </a:prstGeom>
+          <a:noFill/>
+          <a:ln w="12700">
+            <a:solidFill>
+              <a:schemeClr val="tx1"/>
+            </a:solidFill>
+          </a:ln>
+        </p:spPr>
+        <p:style>
+          <a:lnRef idx="2">
+            <a:schemeClr val="accent1">
+              <a:shade val="50000"/>
+            </a:schemeClr>
+          </a:lnRef>
+          <a:fillRef idx="1">
+            <a:schemeClr val="accent1"/>
+          </a:fillRef>
+          <a:effectRef idx="0">
+            <a:schemeClr val="accent1"/>
+          </a:effectRef>
+          <a:fontRef idx="minor">
+            <a:schemeClr val="lt1"/>
+          </a:fontRef>
+        </p:style>
+        <p:txBody>
+          <a:bodyPr rtlCol="0" anchor="ctr"/>
+          <a:lstStyle/>
+          <a:p>
+            <a:pPr algn="ctr"/>
+            <a:endParaRPr lang="en-US" dirty="0" smtClean="0">
               <a:solidFill>
-                <a:prstClr val="black">
-                  <a:tint val="75000"/>
-                </a:prstClr>
+                <a:schemeClr val="tx1"/>
               </a:solidFill>
             </a:endParaRPr>
           </a:p>
@@ -1924,69 +2401,42 @@
       </p:sp>
       <p:sp>
         <p:nvSpPr>
-          <p:cNvPr id="5" name="Footer Placeholder 4"/>
-          <p:cNvSpPr>
-            <a:spLocks noGrp="1"/>
-          </p:cNvSpPr>
-          <p:nvPr>
-            <p:ph type="ftr" sz="quarter" idx="11"/>
-          </p:nvPr>
-        </p:nvSpPr>
-        <p:spPr/>
-        <p:txBody>
-          <a:bodyPr/>
-          <a:lstStyle/>
-          <a:p>
-            <a:endParaRPr lang="en-US">
-              <a:solidFill>
-                <a:prstClr val="black">
-                  <a:tint val="75000"/>
-                </a:prstClr>
-              </a:solidFill>
-            </a:endParaRPr>
-          </a:p>
-        </p:txBody>
-      </p:sp>
-      <p:sp>
-        <p:nvSpPr>
-          <p:cNvPr id="6" name="Slide Number Placeholder 5"/>
-          <p:cNvSpPr>
-            <a:spLocks noGrp="1"/>
-          </p:cNvSpPr>
-          <p:nvPr>
-            <p:ph type="sldNum" sz="quarter" idx="12"/>
-          </p:nvPr>
-        </p:nvSpPr>
-        <p:spPr/>
-        <p:txBody>
-          <a:bodyPr/>
-          <a:lstStyle/>
-          <a:p>
-            <a:fld id="{9F4492BD-6A9C-48FC-AC76-0B4FE11194A1}" type="slidenum">
-              <a:rPr lang="en-US" smtClean="0">
-                <a:solidFill>
-                  <a:prstClr val="black">
-                    <a:tint val="75000"/>
-                  </a:prstClr>
-                </a:solidFill>
-              </a:rPr>
-              <a:pPr/>
-              <a:t>‹#›</a:t>
-            </a:fld>
-            <a:endParaRPr lang="en-US">
-              <a:solidFill>
-                <a:prstClr val="black">
-                  <a:tint val="75000"/>
-                </a:prstClr>
-              </a:solidFill>
-            </a:endParaRPr>
+          <p:cNvPr id="8" name="TextBox 7"/>
+          <p:cNvSpPr txBox="1"/>
+          <p:nvPr userDrawn="1"/>
+        </p:nvSpPr>
+        <p:spPr>
+          <a:xfrm>
+            <a:off x="5943600" y="1793674"/>
+            <a:ext cx="2286000" cy="646331"/>
+          </a:xfrm>
+          <a:prstGeom prst="rect">
+            <a:avLst/>
+          </a:prstGeom>
+          <a:noFill/>
+        </p:spPr>
+        <p:txBody>
+          <a:bodyPr wrap="square" rtlCol="0">
+            <a:spAutoFit/>
+          </a:bodyPr>
+          <a:lstStyle/>
+          <a:p>
+            <a:r>
+              <a:rPr lang="en-US" dirty="0" smtClean="0"/>
+              <a:t>Resize video to this</a:t>
+            </a:r>
+            <a:r>
+              <a:rPr lang="en-US" baseline="0" dirty="0" smtClean="0"/>
+              <a:t> box.</a:t>
+            </a:r>
+            <a:endParaRPr lang="en-US" dirty="0"/>
           </a:p>
         </p:txBody>
       </p:sp>
     </p:spTree>
     <p:extLst>
       <p:ext uri="{BB962C8B-B14F-4D97-AF65-F5344CB8AC3E}">
-        <p14:creationId xmlns:p14="http://schemas.microsoft.com/office/powerpoint/2010/main" val="1653893982"/>
+        <p14:creationId xmlns:p14="http://schemas.microsoft.com/office/powerpoint/2010/main" val="3247460670"/>
       </p:ext>
     </p:extLst>
   </p:cSld>
@@ -2004,6 +2454,425 @@
 </file>
 
 <file path=ppt/slideLayouts/slideLayout4.xml><?xml version="1.0" encoding="utf-8"?>
+<p:sldLayout xmlns:a="http://schemas.openxmlformats.org/drawingml/2006/main" xmlns:r="http://schemas.openxmlformats.org/officeDocument/2006/relationships" xmlns:p="http://schemas.openxmlformats.org/presentationml/2006/main" type="obj" preserve="1">
+  <p:cSld name="Code">
+    <p:spTree>
+      <p:nvGrpSpPr>
+        <p:cNvPr id="1" name=""/>
+        <p:cNvGrpSpPr/>
+        <p:nvPr/>
+      </p:nvGrpSpPr>
+      <p:grpSpPr>
+        <a:xfrm>
+          <a:off x="0" y="0"/>
+          <a:ext cx="0" cy="0"/>
+          <a:chOff x="0" y="0"/>
+          <a:chExt cx="0" cy="0"/>
+        </a:xfrm>
+      </p:grpSpPr>
+      <p:sp>
+        <p:nvSpPr>
+          <p:cNvPr id="2" name="Title 1"/>
+          <p:cNvSpPr>
+            <a:spLocks noGrp="1"/>
+          </p:cNvSpPr>
+          <p:nvPr>
+            <p:ph type="title"/>
+          </p:nvPr>
+        </p:nvSpPr>
+        <p:spPr/>
+        <p:txBody>
+          <a:bodyPr/>
+          <a:lstStyle/>
+          <a:p>
+            <a:r>
+              <a:rPr lang="en-US" smtClean="0"/>
+              <a:t>Click to edit Master title style</a:t>
+            </a:r>
+            <a:endParaRPr lang="en-US"/>
+          </a:p>
+        </p:txBody>
+      </p:sp>
+      <p:sp>
+        <p:nvSpPr>
+          <p:cNvPr id="3" name="Content Placeholder 2"/>
+          <p:cNvSpPr>
+            <a:spLocks noGrp="1"/>
+          </p:cNvSpPr>
+          <p:nvPr>
+            <p:ph idx="1"/>
+          </p:nvPr>
+        </p:nvSpPr>
+        <p:spPr/>
+        <p:txBody>
+          <a:bodyPr/>
+          <a:lstStyle>
+            <a:lvl1pPr marL="0" indent="0">
+              <a:buNone/>
+              <a:defRPr b="1">
+                <a:latin typeface="Consolas" pitchFamily="49" charset="0"/>
+                <a:cs typeface="Consolas" pitchFamily="49" charset="0"/>
+              </a:defRPr>
+            </a:lvl1pPr>
+          </a:lstStyle>
+          <a:p>
+            <a:pPr lvl="0"/>
+            <a:r>
+              <a:rPr lang="en-US" dirty="0" smtClean="0"/>
+              <a:t>Click to edit Master text styles</a:t>
+            </a:r>
+          </a:p>
+          <a:p>
+            <a:pPr lvl="1"/>
+            <a:r>
+              <a:rPr lang="en-US" dirty="0" smtClean="0"/>
+              <a:t>Second level</a:t>
+            </a:r>
+          </a:p>
+          <a:p>
+            <a:pPr lvl="2"/>
+            <a:r>
+              <a:rPr lang="en-US" dirty="0" smtClean="0"/>
+              <a:t>Third level</a:t>
+            </a:r>
+          </a:p>
+          <a:p>
+            <a:pPr lvl="3"/>
+            <a:r>
+              <a:rPr lang="en-US" dirty="0" smtClean="0"/>
+              <a:t>Fourth level</a:t>
+            </a:r>
+          </a:p>
+          <a:p>
+            <a:pPr lvl="4"/>
+            <a:r>
+              <a:rPr lang="en-US" dirty="0" smtClean="0"/>
+              <a:t>Fifth level</a:t>
+            </a:r>
+            <a:endParaRPr lang="en-US" dirty="0"/>
+          </a:p>
+        </p:txBody>
+      </p:sp>
+      <p:sp>
+        <p:nvSpPr>
+          <p:cNvPr id="4" name="Date Placeholder 3"/>
+          <p:cNvSpPr>
+            <a:spLocks noGrp="1"/>
+          </p:cNvSpPr>
+          <p:nvPr>
+            <p:ph type="dt" sz="half" idx="10"/>
+          </p:nvPr>
+        </p:nvSpPr>
+        <p:spPr/>
+        <p:txBody>
+          <a:bodyPr/>
+          <a:lstStyle/>
+          <a:p>
+            <a:fld id="{FF5D65A6-AB94-4435-B0B7-3743215FA46C}" type="datetime1">
+              <a:rPr lang="en-US" smtClean="0"/>
+              <a:t>9/28/2015</a:t>
+            </a:fld>
+            <a:endParaRPr lang="en-US"/>
+          </a:p>
+        </p:txBody>
+      </p:sp>
+      <p:sp>
+        <p:nvSpPr>
+          <p:cNvPr id="5" name="Footer Placeholder 4"/>
+          <p:cNvSpPr>
+            <a:spLocks noGrp="1"/>
+          </p:cNvSpPr>
+          <p:nvPr>
+            <p:ph type="ftr" sz="quarter" idx="11"/>
+          </p:nvPr>
+        </p:nvSpPr>
+        <p:spPr/>
+        <p:txBody>
+          <a:bodyPr/>
+          <a:lstStyle/>
+          <a:p>
+            <a:endParaRPr lang="en-US"/>
+          </a:p>
+        </p:txBody>
+      </p:sp>
+      <p:sp>
+        <p:nvSpPr>
+          <p:cNvPr id="6" name="Slide Number Placeholder 5"/>
+          <p:cNvSpPr>
+            <a:spLocks noGrp="1"/>
+          </p:cNvSpPr>
+          <p:nvPr>
+            <p:ph type="sldNum" sz="quarter" idx="12"/>
+          </p:nvPr>
+        </p:nvSpPr>
+        <p:spPr/>
+        <p:txBody>
+          <a:bodyPr/>
+          <a:lstStyle/>
+          <a:p>
+            <a:fld id="{2AF3B5EA-18B6-4040-9F78-6052AF49C681}" type="slidenum">
+              <a:rPr lang="en-US" smtClean="0"/>
+              <a:t>‹#›</a:t>
+            </a:fld>
+            <a:endParaRPr lang="en-US"/>
+          </a:p>
+        </p:txBody>
+      </p:sp>
+    </p:spTree>
+    <p:extLst>
+      <p:ext uri="{BB962C8B-B14F-4D97-AF65-F5344CB8AC3E}">
+        <p14:creationId xmlns:p14="http://schemas.microsoft.com/office/powerpoint/2010/main" val="2883117076"/>
+      </p:ext>
+    </p:extLst>
+  </p:cSld>
+  <p:clrMapOvr>
+    <a:masterClrMapping/>
+  </p:clrMapOvr>
+  <p:timing>
+    <p:tnLst>
+      <p:par>
+        <p:cTn id="1" dur="indefinite" restart="never" nodeType="tmRoot"/>
+      </p:par>
+    </p:tnLst>
+  </p:timing>
+</p:sldLayout>
+</file>
+
+<file path=ppt/slideLayouts/slideLayout5.xml><?xml version="1.0" encoding="utf-8"?>
+<p:sldLayout xmlns:a="http://schemas.openxmlformats.org/drawingml/2006/main" xmlns:r="http://schemas.openxmlformats.org/officeDocument/2006/relationships" xmlns:p="http://schemas.openxmlformats.org/presentationml/2006/main" type="obj" preserve="1">
+  <p:cSld name="Video Clip">
+    <p:spTree>
+      <p:nvGrpSpPr>
+        <p:cNvPr id="1" name=""/>
+        <p:cNvGrpSpPr/>
+        <p:nvPr/>
+      </p:nvGrpSpPr>
+      <p:grpSpPr>
+        <a:xfrm>
+          <a:off x="0" y="0"/>
+          <a:ext cx="0" cy="0"/>
+          <a:chOff x="0" y="0"/>
+          <a:chExt cx="0" cy="0"/>
+        </a:xfrm>
+      </p:grpSpPr>
+      <p:sp>
+        <p:nvSpPr>
+          <p:cNvPr id="2" name="Title 1"/>
+          <p:cNvSpPr>
+            <a:spLocks noGrp="1"/>
+          </p:cNvSpPr>
+          <p:nvPr>
+            <p:ph type="title"/>
+          </p:nvPr>
+        </p:nvSpPr>
+        <p:spPr/>
+        <p:txBody>
+          <a:bodyPr/>
+          <a:lstStyle/>
+          <a:p>
+            <a:r>
+              <a:rPr lang="en-US" smtClean="0"/>
+              <a:t>Click to edit Master title style</a:t>
+            </a:r>
+            <a:endParaRPr lang="en-US"/>
+          </a:p>
+        </p:txBody>
+      </p:sp>
+      <p:sp>
+        <p:nvSpPr>
+          <p:cNvPr id="3" name="Content Placeholder 2"/>
+          <p:cNvSpPr>
+            <a:spLocks noGrp="1"/>
+          </p:cNvSpPr>
+          <p:nvPr>
+            <p:ph idx="1"/>
+          </p:nvPr>
+        </p:nvSpPr>
+        <p:spPr/>
+        <p:txBody>
+          <a:bodyPr/>
+          <a:lstStyle>
+            <a:lvl1pPr marL="0" indent="0">
+              <a:buNone/>
+              <a:defRPr b="1">
+                <a:latin typeface="Consolas" pitchFamily="49" charset="0"/>
+                <a:cs typeface="Consolas" pitchFamily="49" charset="0"/>
+              </a:defRPr>
+            </a:lvl1pPr>
+          </a:lstStyle>
+          <a:p>
+            <a:pPr lvl="0"/>
+            <a:r>
+              <a:rPr lang="en-US" dirty="0" smtClean="0"/>
+              <a:t>Click to edit Master text styles</a:t>
+            </a:r>
+          </a:p>
+          <a:p>
+            <a:pPr lvl="1"/>
+            <a:r>
+              <a:rPr lang="en-US" dirty="0" smtClean="0"/>
+              <a:t>Second level</a:t>
+            </a:r>
+          </a:p>
+          <a:p>
+            <a:pPr lvl="2"/>
+            <a:r>
+              <a:rPr lang="en-US" dirty="0" smtClean="0"/>
+              <a:t>Third level</a:t>
+            </a:r>
+          </a:p>
+          <a:p>
+            <a:pPr lvl="3"/>
+            <a:r>
+              <a:rPr lang="en-US" dirty="0" smtClean="0"/>
+              <a:t>Fourth level</a:t>
+            </a:r>
+          </a:p>
+          <a:p>
+            <a:pPr lvl="4"/>
+            <a:r>
+              <a:rPr lang="en-US" dirty="0" smtClean="0"/>
+              <a:t>Fifth level</a:t>
+            </a:r>
+            <a:endParaRPr lang="en-US" dirty="0"/>
+          </a:p>
+        </p:txBody>
+      </p:sp>
+      <p:sp>
+        <p:nvSpPr>
+          <p:cNvPr id="4" name="Date Placeholder 3"/>
+          <p:cNvSpPr>
+            <a:spLocks noGrp="1"/>
+          </p:cNvSpPr>
+          <p:nvPr>
+            <p:ph type="dt" sz="half" idx="10"/>
+          </p:nvPr>
+        </p:nvSpPr>
+        <p:spPr/>
+        <p:txBody>
+          <a:bodyPr/>
+          <a:lstStyle/>
+          <a:p>
+            <a:fld id="{FF5D65A6-AB94-4435-B0B7-3743215FA46C}" type="datetime1">
+              <a:rPr lang="en-US" smtClean="0"/>
+              <a:t>9/28/2015</a:t>
+            </a:fld>
+            <a:endParaRPr lang="en-US"/>
+          </a:p>
+        </p:txBody>
+      </p:sp>
+      <p:sp>
+        <p:nvSpPr>
+          <p:cNvPr id="5" name="Footer Placeholder 4"/>
+          <p:cNvSpPr>
+            <a:spLocks noGrp="1"/>
+          </p:cNvSpPr>
+          <p:nvPr>
+            <p:ph type="ftr" sz="quarter" idx="11"/>
+          </p:nvPr>
+        </p:nvSpPr>
+        <p:spPr/>
+        <p:txBody>
+          <a:bodyPr/>
+          <a:lstStyle/>
+          <a:p>
+            <a:endParaRPr lang="en-US"/>
+          </a:p>
+        </p:txBody>
+      </p:sp>
+      <p:sp>
+        <p:nvSpPr>
+          <p:cNvPr id="7" name="Rectangle 6"/>
+          <p:cNvSpPr/>
+          <p:nvPr userDrawn="1"/>
+        </p:nvSpPr>
+        <p:spPr>
+          <a:xfrm>
+            <a:off x="609600" y="1676400"/>
+            <a:ext cx="7924800" cy="4343400"/>
+          </a:xfrm>
+          <a:prstGeom prst="rect">
+            <a:avLst/>
+          </a:prstGeom>
+          <a:noFill/>
+          <a:ln/>
+        </p:spPr>
+        <p:style>
+          <a:lnRef idx="2">
+            <a:schemeClr val="dk1"/>
+          </a:lnRef>
+          <a:fillRef idx="1">
+            <a:schemeClr val="lt1"/>
+          </a:fillRef>
+          <a:effectRef idx="0">
+            <a:schemeClr val="dk1"/>
+          </a:effectRef>
+          <a:fontRef idx="minor">
+            <a:schemeClr val="dk1"/>
+          </a:fontRef>
+        </p:style>
+        <p:txBody>
+          <a:bodyPr rot="0" spcFirstLastPara="0" vertOverflow="overflow" horzOverflow="overflow" vert="horz" wrap="square" lIns="91440" tIns="45720" rIns="91440" bIns="45720" numCol="1" spcCol="0" rtlCol="0" fromWordArt="0" anchor="ctr" anchorCtr="0" forceAA="0" compatLnSpc="1">
+            <a:prstTxWarp prst="textNoShape">
+              <a:avLst/>
+            </a:prstTxWarp>
+            <a:noAutofit/>
+          </a:bodyPr>
+          <a:lstStyle/>
+          <a:p>
+            <a:pPr algn="ctr"/>
+            <a:endParaRPr lang="en-US" dirty="0">
+              <a:solidFill>
+                <a:schemeClr val="tx1"/>
+              </a:solidFill>
+            </a:endParaRPr>
+          </a:p>
+        </p:txBody>
+      </p:sp>
+      <p:sp>
+        <p:nvSpPr>
+          <p:cNvPr id="6" name="Slide Number Placeholder 5"/>
+          <p:cNvSpPr>
+            <a:spLocks noGrp="1"/>
+          </p:cNvSpPr>
+          <p:nvPr>
+            <p:ph type="sldNum" sz="quarter" idx="12"/>
+          </p:nvPr>
+        </p:nvSpPr>
+        <p:spPr/>
+        <p:txBody>
+          <a:bodyPr/>
+          <a:lstStyle/>
+          <a:p>
+            <a:fld id="{2AF3B5EA-18B6-4040-9F78-6052AF49C681}" type="slidenum">
+              <a:rPr lang="en-US" smtClean="0"/>
+              <a:t>‹#›</a:t>
+            </a:fld>
+            <a:endParaRPr lang="en-US"/>
+          </a:p>
+        </p:txBody>
+      </p:sp>
+    </p:spTree>
+    <p:extLst>
+      <p:ext uri="{BB962C8B-B14F-4D97-AF65-F5344CB8AC3E}">
+        <p14:creationId xmlns:p14="http://schemas.microsoft.com/office/powerpoint/2010/main" val="3410447648"/>
+      </p:ext>
+    </p:extLst>
+  </p:cSld>
+  <p:clrMapOvr>
+    <a:masterClrMapping/>
+  </p:clrMapOvr>
+  <p:timing>
+    <p:tnLst>
+      <p:par>
+        <p:cTn id="1" dur="indefinite" restart="never" nodeType="tmRoot"/>
+      </p:par>
+    </p:tnLst>
+  </p:timing>
+</p:sldLayout>
+</file>
+
+<file path=ppt/slideLayouts/slideLayout6.xml><?xml version="1.0" encoding="utf-8"?>
 <p:sldLayout xmlns:a="http://schemas.openxmlformats.org/drawingml/2006/main" xmlns:r="http://schemas.openxmlformats.org/officeDocument/2006/relationships" xmlns:p="http://schemas.openxmlformats.org/presentationml/2006/main" type="secHead" preserve="1">
   <p:cSld name="Section Header">
     <p:spTree>
@@ -2186,9 +3055,9 @@
           <a:bodyPr/>
           <a:lstStyle/>
           <a:p>
-            <a:fld id="{7FC693E8-09B6-4CCA-812A-A3C4A321C8F1}" type="datetime1">
-              <a:rPr lang="en-US" smtClean="0"/>
-              <a:t>10/11/2014</a:t>
+            <a:fld id="{7C193DC4-6EF0-48C9-B29C-616106A645E1}" type="datetime1">
+              <a:rPr lang="en-US" smtClean="0"/>
+              <a:t>9/28/2015</a:t>
             </a:fld>
             <a:endParaRPr lang="en-US"/>
           </a:p>
@@ -2228,9 +3097,8 @@
           <a:bodyPr/>
           <a:lstStyle/>
           <a:p>
-            <a:fld id="{9F4492BD-6A9C-48FC-AC76-0B4FE11194A1}" type="slidenum">
-              <a:rPr lang="en-US" smtClean="0"/>
-              <a:pPr/>
+            <a:fld id="{2AF3B5EA-18B6-4040-9F78-6052AF49C681}" type="slidenum">
+              <a:rPr lang="en-US" smtClean="0"/>
               <a:t>‹#›</a:t>
             </a:fld>
             <a:endParaRPr lang="en-US"/>
@@ -2238,6 +3106,11 @@
         </p:txBody>
       </p:sp>
     </p:spTree>
+    <p:extLst>
+      <p:ext uri="{BB962C8B-B14F-4D97-AF65-F5344CB8AC3E}">
+        <p14:creationId xmlns:p14="http://schemas.microsoft.com/office/powerpoint/2010/main" val="2180233102"/>
+      </p:ext>
+    </p:extLst>
   </p:cSld>
   <p:clrMapOvr>
     <a:masterClrMapping/>
@@ -2245,7 +3118,7 @@
 </p:sldLayout>
 </file>
 
-<file path=ppt/slideLayouts/slideLayout5.xml><?xml version="1.0" encoding="utf-8"?>
+<file path=ppt/slideLayouts/slideLayout7.xml><?xml version="1.0" encoding="utf-8"?>
 <p:sldLayout xmlns:a="http://schemas.openxmlformats.org/drawingml/2006/main" xmlns:r="http://schemas.openxmlformats.org/officeDocument/2006/relationships" xmlns:p="http://schemas.openxmlformats.org/presentationml/2006/main" type="twoObj" preserve="1">
   <p:cSld name="Two Content">
     <p:spTree>
@@ -2470,9 +3343,9 @@
           <a:bodyPr/>
           <a:lstStyle/>
           <a:p>
-            <a:fld id="{928B434B-1587-4E0A-B1BB-1A82C82EADE9}" type="datetime1">
-              <a:rPr lang="en-US" smtClean="0"/>
-              <a:t>10/11/2014</a:t>
+            <a:fld id="{5D1846AD-9252-4647-9435-4C2AC365653A}" type="datetime1">
+              <a:rPr lang="en-US" smtClean="0"/>
+              <a:t>9/28/2015</a:t>
             </a:fld>
             <a:endParaRPr lang="en-US"/>
           </a:p>
@@ -2512,9 +3385,8 @@
           <a:bodyPr/>
           <a:lstStyle/>
           <a:p>
-            <a:fld id="{9F4492BD-6A9C-48FC-AC76-0B4FE11194A1}" type="slidenum">
-              <a:rPr lang="en-US" smtClean="0"/>
-              <a:pPr/>
+            <a:fld id="{2AF3B5EA-18B6-4040-9F78-6052AF49C681}" type="slidenum">
+              <a:rPr lang="en-US" smtClean="0"/>
               <a:t>‹#›</a:t>
             </a:fld>
             <a:endParaRPr lang="en-US"/>
@@ -2522,6 +3394,11 @@
         </p:txBody>
       </p:sp>
     </p:spTree>
+    <p:extLst>
+      <p:ext uri="{BB962C8B-B14F-4D97-AF65-F5344CB8AC3E}">
+        <p14:creationId xmlns:p14="http://schemas.microsoft.com/office/powerpoint/2010/main" val="1558739878"/>
+      </p:ext>
+    </p:extLst>
   </p:cSld>
   <p:clrMapOvr>
     <a:masterClrMapping/>
@@ -2529,7 +3406,7 @@
 </p:sldLayout>
 </file>
 
-<file path=ppt/slideLayouts/slideLayout6.xml><?xml version="1.0" encoding="utf-8"?>
+<file path=ppt/slideLayouts/slideLayout8.xml><?xml version="1.0" encoding="utf-8"?>
 <p:sldLayout xmlns:a="http://schemas.openxmlformats.org/drawingml/2006/main" xmlns:r="http://schemas.openxmlformats.org/officeDocument/2006/relationships" xmlns:p="http://schemas.openxmlformats.org/presentationml/2006/main" type="twoTxTwoObj" preserve="1">
   <p:cSld name="Comparison">
     <p:spTree>
@@ -2888,9 +3765,9 @@
           <a:bodyPr/>
           <a:lstStyle/>
           <a:p>
-            <a:fld id="{73678685-9781-47D3-A806-2A5C273A4695}" type="datetime1">
-              <a:rPr lang="en-US" smtClean="0"/>
-              <a:t>10/11/2014</a:t>
+            <a:fld id="{CE56DC10-3561-4063-A6AF-C1CC7A41040A}" type="datetime1">
+              <a:rPr lang="en-US" smtClean="0"/>
+              <a:t>9/28/2015</a:t>
             </a:fld>
             <a:endParaRPr lang="en-US"/>
           </a:p>
@@ -2930,9 +3807,8 @@
           <a:bodyPr/>
           <a:lstStyle/>
           <a:p>
-            <a:fld id="{9F4492BD-6A9C-48FC-AC76-0B4FE11194A1}" type="slidenum">
-              <a:rPr lang="en-US" smtClean="0"/>
-              <a:pPr/>
+            <a:fld id="{2AF3B5EA-18B6-4040-9F78-6052AF49C681}" type="slidenum">
+              <a:rPr lang="en-US" smtClean="0"/>
               <a:t>‹#›</a:t>
             </a:fld>
             <a:endParaRPr lang="en-US"/>
@@ -2940,6 +3816,11 @@
         </p:txBody>
       </p:sp>
     </p:spTree>
+    <p:extLst>
+      <p:ext uri="{BB962C8B-B14F-4D97-AF65-F5344CB8AC3E}">
+        <p14:creationId xmlns:p14="http://schemas.microsoft.com/office/powerpoint/2010/main" val="3330850333"/>
+      </p:ext>
+    </p:extLst>
   </p:cSld>
   <p:clrMapOvr>
     <a:masterClrMapping/>
@@ -2947,7 +3828,7 @@
 </p:sldLayout>
 </file>
 
-<file path=ppt/slideLayouts/slideLayout7.xml><?xml version="1.0" encoding="utf-8"?>
+<file path=ppt/slideLayouts/slideLayout9.xml><?xml version="1.0" encoding="utf-8"?>
 <p:sldLayout xmlns:a="http://schemas.openxmlformats.org/drawingml/2006/main" xmlns:r="http://schemas.openxmlformats.org/officeDocument/2006/relationships" xmlns:p="http://schemas.openxmlformats.org/presentationml/2006/main" type="titleOnly" preserve="1">
   <p:cSld name="Title Only">
     <p:spTree>
@@ -3002,9 +3883,9 @@
           <a:bodyPr/>
           <a:lstStyle/>
           <a:p>
-            <a:fld id="{B2145400-A76B-4C94-8D99-A771C045953A}" type="datetime1">
-              <a:rPr lang="en-US" smtClean="0"/>
-              <a:t>10/11/2014</a:t>
+            <a:fld id="{2F7B77F5-1464-4F6B-92A8-64FC8A508293}" type="datetime1">
+              <a:rPr lang="en-US" smtClean="0"/>
+              <a:t>9/28/2015</a:t>
             </a:fld>
             <a:endParaRPr lang="en-US"/>
           </a:p>
@@ -3044,9 +3925,8 @@
           <a:bodyPr/>
           <a:lstStyle/>
           <a:p>
-            <a:fld id="{9F4492BD-6A9C-48FC-AC76-0B4FE11194A1}" type="slidenum">
-              <a:rPr lang="en-US" smtClean="0"/>
-              <a:pPr/>
+            <a:fld id="{2AF3B5EA-18B6-4040-9F78-6052AF49C681}" type="slidenum">
+              <a:rPr lang="en-US" smtClean="0"/>
               <a:t>‹#›</a:t>
             </a:fld>
             <a:endParaRPr lang="en-US"/>
@@ -3054,379 +3934,27 @@
         </p:txBody>
       </p:sp>
     </p:spTree>
+    <p:extLst>
+      <p:ext uri="{BB962C8B-B14F-4D97-AF65-F5344CB8AC3E}">
+        <p14:creationId xmlns:p14="http://schemas.microsoft.com/office/powerpoint/2010/main" val="1046481116"/>
+      </p:ext>
+    </p:extLst>
   </p:cSld>
   <p:clrMapOvr>
     <a:masterClrMapping/>
   </p:clrMapOvr>
-</p:sldLayout>
-</file>
-
-<file path=ppt/slideLayouts/slideLayout8.xml><?xml version="1.0" encoding="utf-8"?>
-<p:sldLayout xmlns:a="http://schemas.openxmlformats.org/drawingml/2006/main" xmlns:r="http://schemas.openxmlformats.org/officeDocument/2006/relationships" xmlns:p="http://schemas.openxmlformats.org/presentationml/2006/main" type="blank" preserve="1">
-  <p:cSld name="Blank">
-    <p:spTree>
-      <p:nvGrpSpPr>
-        <p:cNvPr id="1" name=""/>
-        <p:cNvGrpSpPr/>
-        <p:nvPr/>
-      </p:nvGrpSpPr>
-      <p:grpSpPr>
-        <a:xfrm>
-          <a:off x="0" y="0"/>
-          <a:ext cx="0" cy="0"/>
-          <a:chOff x="0" y="0"/>
-          <a:chExt cx="0" cy="0"/>
-        </a:xfrm>
-      </p:grpSpPr>
-      <p:sp>
-        <p:nvSpPr>
-          <p:cNvPr id="2" name="Date Placeholder 1"/>
-          <p:cNvSpPr>
-            <a:spLocks noGrp="1"/>
-          </p:cNvSpPr>
-          <p:nvPr>
-            <p:ph type="dt" sz="half" idx="10"/>
-          </p:nvPr>
-        </p:nvSpPr>
-        <p:spPr/>
-        <p:txBody>
-          <a:bodyPr/>
-          <a:lstStyle/>
-          <a:p>
-            <a:fld id="{DEA64614-BF7B-4DD8-B622-355F55B19B18}" type="datetime1">
-              <a:rPr lang="en-US" smtClean="0"/>
-              <a:t>10/11/2014</a:t>
-            </a:fld>
-            <a:endParaRPr lang="en-US"/>
-          </a:p>
-        </p:txBody>
-      </p:sp>
-      <p:sp>
-        <p:nvSpPr>
-          <p:cNvPr id="3" name="Footer Placeholder 2"/>
-          <p:cNvSpPr>
-            <a:spLocks noGrp="1"/>
-          </p:cNvSpPr>
-          <p:nvPr>
-            <p:ph type="ftr" sz="quarter" idx="11"/>
-          </p:nvPr>
-        </p:nvSpPr>
-        <p:spPr/>
-        <p:txBody>
-          <a:bodyPr/>
-          <a:lstStyle/>
-          <a:p>
-            <a:endParaRPr lang="en-US"/>
-          </a:p>
-        </p:txBody>
-      </p:sp>
-      <p:sp>
-        <p:nvSpPr>
-          <p:cNvPr id="4" name="Slide Number Placeholder 3"/>
-          <p:cNvSpPr>
-            <a:spLocks noGrp="1"/>
-          </p:cNvSpPr>
-          <p:nvPr>
-            <p:ph type="sldNum" sz="quarter" idx="12"/>
-          </p:nvPr>
-        </p:nvSpPr>
-        <p:spPr/>
-        <p:txBody>
-          <a:bodyPr/>
-          <a:lstStyle/>
-          <a:p>
-            <a:fld id="{9F4492BD-6A9C-48FC-AC76-0B4FE11194A1}" type="slidenum">
-              <a:rPr lang="en-US" smtClean="0"/>
-              <a:pPr/>
-              <a:t>‹#›</a:t>
-            </a:fld>
-            <a:endParaRPr lang="en-US"/>
-          </a:p>
-        </p:txBody>
-      </p:sp>
-    </p:spTree>
-  </p:cSld>
-  <p:clrMapOvr>
-    <a:masterClrMapping/>
-  </p:clrMapOvr>
-</p:sldLayout>
-</file>
-
-<file path=ppt/slideLayouts/slideLayout9.xml><?xml version="1.0" encoding="utf-8"?>
-<p:sldLayout xmlns:a="http://schemas.openxmlformats.org/drawingml/2006/main" xmlns:r="http://schemas.openxmlformats.org/officeDocument/2006/relationships" xmlns:p="http://schemas.openxmlformats.org/presentationml/2006/main" type="objTx" preserve="1">
-  <p:cSld name="Content with Caption">
-    <p:spTree>
-      <p:nvGrpSpPr>
-        <p:cNvPr id="1" name=""/>
-        <p:cNvGrpSpPr/>
-        <p:nvPr/>
-      </p:nvGrpSpPr>
-      <p:grpSpPr>
-        <a:xfrm>
-          <a:off x="0" y="0"/>
-          <a:ext cx="0" cy="0"/>
-          <a:chOff x="0" y="0"/>
-          <a:chExt cx="0" cy="0"/>
-        </a:xfrm>
-      </p:grpSpPr>
-      <p:sp>
-        <p:nvSpPr>
-          <p:cNvPr id="2" name="Title 1"/>
-          <p:cNvSpPr>
-            <a:spLocks noGrp="1"/>
-          </p:cNvSpPr>
-          <p:nvPr>
-            <p:ph type="title"/>
-          </p:nvPr>
-        </p:nvSpPr>
-        <p:spPr>
-          <a:xfrm>
-            <a:off x="457200" y="273050"/>
-            <a:ext cx="3008313" cy="1162050"/>
-          </a:xfrm>
-        </p:spPr>
-        <p:txBody>
-          <a:bodyPr anchor="b"/>
-          <a:lstStyle>
-            <a:lvl1pPr algn="l">
-              <a:defRPr sz="2000" b="1"/>
-            </a:lvl1pPr>
-          </a:lstStyle>
-          <a:p>
-            <a:r>
-              <a:rPr lang="en-US" smtClean="0"/>
-              <a:t>Click to edit Master title style</a:t>
-            </a:r>
-            <a:endParaRPr lang="en-US"/>
-          </a:p>
-        </p:txBody>
-      </p:sp>
-      <p:sp>
-        <p:nvSpPr>
-          <p:cNvPr id="3" name="Content Placeholder 2"/>
-          <p:cNvSpPr>
-            <a:spLocks noGrp="1"/>
-          </p:cNvSpPr>
-          <p:nvPr>
-            <p:ph idx="1"/>
-          </p:nvPr>
-        </p:nvSpPr>
-        <p:spPr>
-          <a:xfrm>
-            <a:off x="3575050" y="273050"/>
-            <a:ext cx="5111750" cy="5853113"/>
-          </a:xfrm>
-        </p:spPr>
-        <p:txBody>
-          <a:bodyPr/>
-          <a:lstStyle>
-            <a:lvl1pPr>
-              <a:defRPr sz="3200"/>
-            </a:lvl1pPr>
-            <a:lvl2pPr>
-              <a:defRPr sz="2800"/>
-            </a:lvl2pPr>
-            <a:lvl3pPr>
-              <a:defRPr sz="2400"/>
-            </a:lvl3pPr>
-            <a:lvl4pPr>
-              <a:defRPr sz="2000"/>
-            </a:lvl4pPr>
-            <a:lvl5pPr>
-              <a:defRPr sz="2000"/>
-            </a:lvl5pPr>
-            <a:lvl6pPr>
-              <a:defRPr sz="2000"/>
-            </a:lvl6pPr>
-            <a:lvl7pPr>
-              <a:defRPr sz="2000"/>
-            </a:lvl7pPr>
-            <a:lvl8pPr>
-              <a:defRPr sz="2000"/>
-            </a:lvl8pPr>
-            <a:lvl9pPr>
-              <a:defRPr sz="2000"/>
-            </a:lvl9pPr>
-          </a:lstStyle>
-          <a:p>
-            <a:pPr lvl="0"/>
-            <a:r>
-              <a:rPr lang="en-US" smtClean="0"/>
-              <a:t>Click to edit Master text styles</a:t>
-            </a:r>
-          </a:p>
-          <a:p>
-            <a:pPr lvl="1"/>
-            <a:r>
-              <a:rPr lang="en-US" smtClean="0"/>
-              <a:t>Second level</a:t>
-            </a:r>
-          </a:p>
-          <a:p>
-            <a:pPr lvl="2"/>
-            <a:r>
-              <a:rPr lang="en-US" smtClean="0"/>
-              <a:t>Third level</a:t>
-            </a:r>
-          </a:p>
-          <a:p>
-            <a:pPr lvl="3"/>
-            <a:r>
-              <a:rPr lang="en-US" smtClean="0"/>
-              <a:t>Fourth level</a:t>
-            </a:r>
-          </a:p>
-          <a:p>
-            <a:pPr lvl="4"/>
-            <a:r>
-              <a:rPr lang="en-US" smtClean="0"/>
-              <a:t>Fifth level</a:t>
-            </a:r>
-            <a:endParaRPr lang="en-US"/>
-          </a:p>
-        </p:txBody>
-      </p:sp>
-      <p:sp>
-        <p:nvSpPr>
-          <p:cNvPr id="4" name="Text Placeholder 3"/>
-          <p:cNvSpPr>
-            <a:spLocks noGrp="1"/>
-          </p:cNvSpPr>
-          <p:nvPr>
-            <p:ph type="body" sz="half" idx="2"/>
-          </p:nvPr>
-        </p:nvSpPr>
-        <p:spPr>
-          <a:xfrm>
-            <a:off x="457200" y="1435100"/>
-            <a:ext cx="3008313" cy="4691063"/>
-          </a:xfrm>
-        </p:spPr>
-        <p:txBody>
-          <a:bodyPr/>
-          <a:lstStyle>
-            <a:lvl1pPr marL="0" indent="0">
-              <a:buNone/>
-              <a:defRPr sz="1400"/>
-            </a:lvl1pPr>
-            <a:lvl2pPr marL="457200" indent="0">
-              <a:buNone/>
-              <a:defRPr sz="1200"/>
-            </a:lvl2pPr>
-            <a:lvl3pPr marL="914400" indent="0">
-              <a:buNone/>
-              <a:defRPr sz="1000"/>
-            </a:lvl3pPr>
-            <a:lvl4pPr marL="1371600" indent="0">
-              <a:buNone/>
-              <a:defRPr sz="900"/>
-            </a:lvl4pPr>
-            <a:lvl5pPr marL="1828800" indent="0">
-              <a:buNone/>
-              <a:defRPr sz="900"/>
-            </a:lvl5pPr>
-            <a:lvl6pPr marL="2286000" indent="0">
-              <a:buNone/>
-              <a:defRPr sz="900"/>
-            </a:lvl6pPr>
-            <a:lvl7pPr marL="2743200" indent="0">
-              <a:buNone/>
-              <a:defRPr sz="900"/>
-            </a:lvl7pPr>
-            <a:lvl8pPr marL="3200400" indent="0">
-              <a:buNone/>
-              <a:defRPr sz="900"/>
-            </a:lvl8pPr>
-            <a:lvl9pPr marL="3657600" indent="0">
-              <a:buNone/>
-              <a:defRPr sz="900"/>
-            </a:lvl9pPr>
-          </a:lstStyle>
-          <a:p>
-            <a:pPr lvl="0"/>
-            <a:r>
-              <a:rPr lang="en-US" smtClean="0"/>
-              <a:t>Click to edit Master text styles</a:t>
-            </a:r>
-          </a:p>
-        </p:txBody>
-      </p:sp>
-      <p:sp>
-        <p:nvSpPr>
-          <p:cNvPr id="5" name="Date Placeholder 4"/>
-          <p:cNvSpPr>
-            <a:spLocks noGrp="1"/>
-          </p:cNvSpPr>
-          <p:nvPr>
-            <p:ph type="dt" sz="half" idx="10"/>
-          </p:nvPr>
-        </p:nvSpPr>
-        <p:spPr/>
-        <p:txBody>
-          <a:bodyPr/>
-          <a:lstStyle/>
-          <a:p>
-            <a:fld id="{2A1CAA51-CEEF-4BA2-9D68-FD98402C32EE}" type="datetime1">
-              <a:rPr lang="en-US" smtClean="0"/>
-              <a:t>10/11/2014</a:t>
-            </a:fld>
-            <a:endParaRPr lang="en-US"/>
-          </a:p>
-        </p:txBody>
-      </p:sp>
-      <p:sp>
-        <p:nvSpPr>
-          <p:cNvPr id="6" name="Footer Placeholder 5"/>
-          <p:cNvSpPr>
-            <a:spLocks noGrp="1"/>
-          </p:cNvSpPr>
-          <p:nvPr>
-            <p:ph type="ftr" sz="quarter" idx="11"/>
-          </p:nvPr>
-        </p:nvSpPr>
-        <p:spPr/>
-        <p:txBody>
-          <a:bodyPr/>
-          <a:lstStyle/>
-          <a:p>
-            <a:endParaRPr lang="en-US"/>
-          </a:p>
-        </p:txBody>
-      </p:sp>
-      <p:sp>
-        <p:nvSpPr>
-          <p:cNvPr id="7" name="Slide Number Placeholder 6"/>
-          <p:cNvSpPr>
-            <a:spLocks noGrp="1"/>
-          </p:cNvSpPr>
-          <p:nvPr>
-            <p:ph type="sldNum" sz="quarter" idx="12"/>
-          </p:nvPr>
-        </p:nvSpPr>
-        <p:spPr/>
-        <p:txBody>
-          <a:bodyPr/>
-          <a:lstStyle/>
-          <a:p>
-            <a:fld id="{9F4492BD-6A9C-48FC-AC76-0B4FE11194A1}" type="slidenum">
-              <a:rPr lang="en-US" smtClean="0"/>
-              <a:pPr/>
-              <a:t>‹#›</a:t>
-            </a:fld>
-            <a:endParaRPr lang="en-US"/>
-          </a:p>
-        </p:txBody>
-      </p:sp>
-    </p:spTree>
-  </p:cSld>
-  <p:clrMapOvr>
-    <a:masterClrMapping/>
-  </p:clrMapOvr>
+  <p:timing>
+    <p:tnLst>
+      <p:par>
+        <p:cTn id="1" dur="indefinite" restart="never" nodeType="tmRoot"/>
+      </p:par>
+    </p:tnLst>
+  </p:timing>
 </p:sldLayout>
 </file>
 
 <file path=ppt/slideMasters/slideMaster1.xml><?xml version="1.0" encoding="utf-8"?>
-<p:sldMaster xmlns:a="http://schemas.openxmlformats.org/drawingml/2006/main" xmlns:r="http://schemas.openxmlformats.org/officeDocument/2006/relationships" xmlns:p="http://schemas.openxmlformats.org/presentationml/2006/main">
+<p:sldMaster xmlns:a="http://schemas.openxmlformats.org/drawingml/2006/main" xmlns:r="http://schemas.openxmlformats.org/officeDocument/2006/relationships" xmlns:p="http://schemas.openxmlformats.org/presentationml/2006/main" preserve="1">
   <p:cSld>
     <p:bg>
       <p:bgRef idx="1001">
@@ -3466,6 +3994,18 @@
             <a:avLst/>
           </a:prstGeom>
         </p:spPr>
+        <p:style>
+          <a:lnRef idx="2">
+            <a:schemeClr val="accent1"/>
+          </a:lnRef>
+          <a:fillRef idx="1">
+            <a:schemeClr val="lt1"/>
+          </a:fillRef>
+          <a:effectRef idx="0">
+            <a:schemeClr val="accent1"/>
+          </a:effectRef>
+          <a:fontRef idx="none"/>
+        </p:style>
         <p:txBody>
           <a:bodyPr vert="horz" lIns="91440" tIns="45720" rIns="91440" bIns="45720" rtlCol="0" anchor="ctr">
             <a:normAutofit/>
@@ -3575,9 +4115,9 @@
             </a:lvl1pPr>
           </a:lstStyle>
           <a:p>
-            <a:fld id="{42BF01A1-DF47-4B02-AA60-100ACBAFB378}" type="datetime1">
-              <a:rPr lang="en-US" smtClean="0"/>
-              <a:t>10/11/2014</a:t>
+            <a:fld id="{02B3F677-983B-48DB-ADFD-63FE6CBC7FB2}" type="datetime1">
+              <a:rPr lang="en-US" smtClean="0"/>
+              <a:t>9/28/2015</a:t>
             </a:fld>
             <a:endParaRPr lang="en-US"/>
           </a:p>
@@ -3653,9 +4193,8 @@
             </a:lvl1pPr>
           </a:lstStyle>
           <a:p>
-            <a:fld id="{9F4492BD-6A9C-48FC-AC76-0B4FE11194A1}" type="slidenum">
-              <a:rPr lang="en-US" smtClean="0"/>
-              <a:pPr/>
+            <a:fld id="{2AF3B5EA-18B6-4040-9F78-6052AF49C681}" type="slidenum">
+              <a:rPr lang="en-US" smtClean="0"/>
               <a:t>‹#›</a:t>
             </a:fld>
             <a:endParaRPr lang="en-US"/>
@@ -3663,21 +4202,28 @@
         </p:txBody>
       </p:sp>
     </p:spTree>
+    <p:extLst>
+      <p:ext uri="{BB962C8B-B14F-4D97-AF65-F5344CB8AC3E}">
+        <p14:creationId xmlns:p14="http://schemas.microsoft.com/office/powerpoint/2010/main" val="2112329230"/>
+      </p:ext>
+    </p:extLst>
   </p:cSld>
   <p:clrMap bg1="lt1" tx1="dk1" bg2="lt2" tx2="dk2" accent1="accent1" accent2="accent2" accent3="accent3" accent4="accent4" accent5="accent5" accent6="accent6" hlink="hlink" folHlink="folHlink"/>
   <p:sldLayoutIdLst>
-    <p:sldLayoutId id="2147483649" r:id="rId1"/>
-    <p:sldLayoutId id="2147483650" r:id="rId2"/>
-    <p:sldLayoutId id="2147483665" r:id="rId3"/>
-    <p:sldLayoutId id="2147483651" r:id="rId4"/>
-    <p:sldLayoutId id="2147483652" r:id="rId5"/>
-    <p:sldLayoutId id="2147483653" r:id="rId6"/>
-    <p:sldLayoutId id="2147483654" r:id="rId7"/>
-    <p:sldLayoutId id="2147483655" r:id="rId8"/>
-    <p:sldLayoutId id="2147483656" r:id="rId9"/>
-    <p:sldLayoutId id="2147483657" r:id="rId10"/>
-    <p:sldLayoutId id="2147483658" r:id="rId11"/>
-    <p:sldLayoutId id="2147483659" r:id="rId12"/>
+    <p:sldLayoutId id="2147483667" r:id="rId1"/>
+    <p:sldLayoutId id="2147483668" r:id="rId2"/>
+    <p:sldLayoutId id="2147483669" r:id="rId3"/>
+    <p:sldLayoutId id="2147483670" r:id="rId4"/>
+    <p:sldLayoutId id="2147483671" r:id="rId5"/>
+    <p:sldLayoutId id="2147483672" r:id="rId6"/>
+    <p:sldLayoutId id="2147483673" r:id="rId7"/>
+    <p:sldLayoutId id="2147483674" r:id="rId8"/>
+    <p:sldLayoutId id="2147483675" r:id="rId9"/>
+    <p:sldLayoutId id="2147483676" r:id="rId10"/>
+    <p:sldLayoutId id="2147483677" r:id="rId11"/>
+    <p:sldLayoutId id="2147483678" r:id="rId12"/>
+    <p:sldLayoutId id="2147483679" r:id="rId13"/>
+    <p:sldLayoutId id="2147483680" r:id="rId14"/>
   </p:sldLayoutIdLst>
   <p:timing>
     <p:tnLst>
@@ -4018,6 +4564,30 @@
       </p:sp>
       <p:sp>
         <p:nvSpPr>
+          <p:cNvPr id="11" name="Slide Number Placeholder 10"/>
+          <p:cNvSpPr>
+            <a:spLocks noGrp="1"/>
+          </p:cNvSpPr>
+          <p:nvPr>
+            <p:ph type="sldNum" sz="quarter" idx="12"/>
+          </p:nvPr>
+        </p:nvSpPr>
+        <p:spPr/>
+        <p:txBody>
+          <a:bodyPr/>
+          <a:lstStyle/>
+          <a:p>
+            <a:fld id="{9F4492BD-6A9C-48FC-AC76-0B4FE11194A1}" type="slidenum">
+              <a:rPr lang="en-US" smtClean="0"/>
+              <a:pPr/>
+              <a:t>1</a:t>
+            </a:fld>
+            <a:endParaRPr lang="en-US"/>
+          </a:p>
+        </p:txBody>
+      </p:sp>
+      <p:sp>
+        <p:nvSpPr>
           <p:cNvPr id="4" name="TextBox 3"/>
           <p:cNvSpPr txBox="1"/>
           <p:nvPr>
@@ -4203,30 +4773,6 @@
           </p:txBody>
         </p:sp>
       </p:grpSp>
-      <p:sp>
-        <p:nvSpPr>
-          <p:cNvPr id="11" name="Slide Number Placeholder 10"/>
-          <p:cNvSpPr>
-            <a:spLocks noGrp="1"/>
-          </p:cNvSpPr>
-          <p:nvPr>
-            <p:ph type="sldNum" sz="quarter" idx="12"/>
-          </p:nvPr>
-        </p:nvSpPr>
-        <p:spPr/>
-        <p:txBody>
-          <a:bodyPr/>
-          <a:lstStyle/>
-          <a:p>
-            <a:fld id="{9F4492BD-6A9C-48FC-AC76-0B4FE11194A1}" type="slidenum">
-              <a:rPr lang="en-US" smtClean="0"/>
-              <a:pPr/>
-              <a:t>1</a:t>
-            </a:fld>
-            <a:endParaRPr lang="en-US"/>
-          </a:p>
-        </p:txBody>
-      </p:sp>
     </p:spTree>
   </p:cSld>
   <p:clrMapOvr>
@@ -5264,6 +5810,30 @@
       </p:graphicFrame>
       <p:sp>
         <p:nvSpPr>
+          <p:cNvPr id="3" name="Slide Number Placeholder 2"/>
+          <p:cNvSpPr>
+            <a:spLocks noGrp="1"/>
+          </p:cNvSpPr>
+          <p:nvPr>
+            <p:ph type="sldNum" sz="quarter" idx="12"/>
+          </p:nvPr>
+        </p:nvSpPr>
+        <p:spPr/>
+        <p:txBody>
+          <a:bodyPr/>
+          <a:lstStyle/>
+          <a:p>
+            <a:fld id="{9F4492BD-6A9C-48FC-AC76-0B4FE11194A1}" type="slidenum">
+              <a:rPr lang="en-US" smtClean="0"/>
+              <a:pPr/>
+              <a:t>10</a:t>
+            </a:fld>
+            <a:endParaRPr lang="en-US"/>
+          </a:p>
+        </p:txBody>
+      </p:sp>
+      <p:sp>
+        <p:nvSpPr>
           <p:cNvPr id="5" name="TextBox 4"/>
           <p:cNvSpPr txBox="1"/>
           <p:nvPr/>
@@ -5298,30 +5868,6 @@
               <a:t>Times in milliseconds:</a:t>
             </a:r>
             <a:endParaRPr lang="en-US" dirty="0"/>
-          </a:p>
-        </p:txBody>
-      </p:sp>
-      <p:sp>
-        <p:nvSpPr>
-          <p:cNvPr id="3" name="Slide Number Placeholder 2"/>
-          <p:cNvSpPr>
-            <a:spLocks noGrp="1"/>
-          </p:cNvSpPr>
-          <p:nvPr>
-            <p:ph type="sldNum" sz="quarter" idx="12"/>
-          </p:nvPr>
-        </p:nvSpPr>
-        <p:spPr/>
-        <p:txBody>
-          <a:bodyPr/>
-          <a:lstStyle/>
-          <a:p>
-            <a:fld id="{9F4492BD-6A9C-48FC-AC76-0B4FE11194A1}" type="slidenum">
-              <a:rPr lang="en-US" smtClean="0"/>
-              <a:pPr/>
-              <a:t>10</a:t>
-            </a:fld>
-            <a:endParaRPr lang="en-US"/>
           </a:p>
         </p:txBody>
       </p:sp>
@@ -5584,17 +6130,12 @@
             </a:r>
             <a:r>
               <a:rPr lang="en-US" b="1" i="1" dirty="0" smtClean="0"/>
-              <a:t>O(N</a:t>
-            </a:r>
-            <a:r>
-              <a:rPr lang="en-US" b="1" i="1" dirty="0" smtClean="0"/>
-              <a:t>) </a:t>
+              <a:t>O(N) </a:t>
             </a:r>
             <a:r>
               <a:rPr lang="en-US" dirty="0" smtClean="0"/>
               <a:t>)</a:t>
             </a:r>
-            <a:endParaRPr lang="en-US" dirty="0" smtClean="0"/>
           </a:p>
           <a:p>
             <a:pPr lvl="1"/>
@@ -5651,17 +6192,12 @@
             </a:r>
             <a:r>
               <a:rPr lang="en-US" b="1" i="1" dirty="0" smtClean="0"/>
-              <a:t>O(N^2</a:t>
-            </a:r>
-            <a:r>
-              <a:rPr lang="en-US" b="1" i="1" dirty="0" smtClean="0"/>
-              <a:t>) </a:t>
+              <a:t>O(N^2) </a:t>
             </a:r>
             <a:r>
               <a:rPr lang="en-US" dirty="0" smtClean="0"/>
               <a:t>.</a:t>
             </a:r>
-            <a:endParaRPr lang="en-US" dirty="0" smtClean="0"/>
           </a:p>
           <a:p>
             <a:r>
@@ -5670,17 +6206,12 @@
             </a:r>
             <a:r>
               <a:rPr lang="en-US" b="1" i="1" dirty="0" smtClean="0"/>
-              <a:t>O(N</a:t>
-            </a:r>
-            <a:r>
-              <a:rPr lang="en-US" b="1" i="1" dirty="0" smtClean="0"/>
-              <a:t>) </a:t>
+              <a:t>O(N) </a:t>
             </a:r>
             <a:r>
               <a:rPr lang="en-US" dirty="0" smtClean="0"/>
               <a:t>.</a:t>
             </a:r>
-            <a:endParaRPr lang="en-US" dirty="0" smtClean="0"/>
           </a:p>
           <a:p>
             <a:pPr lvl="1"/>
@@ -5737,6 +6268,575 @@
 </file>
 
 <file path=ppt/slides/slide13.xml><?xml version="1.0" encoding="utf-8"?>
+<p:sld xmlns:a="http://schemas.openxmlformats.org/drawingml/2006/main" xmlns:r="http://schemas.openxmlformats.org/officeDocument/2006/relationships" xmlns:p="http://schemas.openxmlformats.org/presentationml/2006/main">
+  <p:cSld>
+    <p:spTree>
+      <p:nvGrpSpPr>
+        <p:cNvPr id="1" name=""/>
+        <p:cNvGrpSpPr/>
+        <p:nvPr/>
+      </p:nvGrpSpPr>
+      <p:grpSpPr>
+        <a:xfrm>
+          <a:off x="0" y="0"/>
+          <a:ext cx="0" cy="0"/>
+          <a:chOff x="0" y="0"/>
+          <a:chExt cx="0" cy="0"/>
+        </a:xfrm>
+      </p:grpSpPr>
+      <p:sp>
+        <p:nvSpPr>
+          <p:cNvPr id="2" name="Title 1"/>
+          <p:cNvSpPr>
+            <a:spLocks noGrp="1"/>
+          </p:cNvSpPr>
+          <p:nvPr>
+            <p:ph type="title"/>
+          </p:nvPr>
+        </p:nvSpPr>
+        <p:spPr/>
+        <p:txBody>
+          <a:bodyPr>
+            <a:normAutofit fontScale="90000"/>
+          </a:bodyPr>
+          <a:lstStyle/>
+          <a:p>
+            <a:r>
+              <a:rPr lang="en-US" dirty="0" smtClean="0"/>
+              <a:t>You could do the same thing with Fred-expressions</a:t>
+            </a:r>
+            <a:endParaRPr lang="en-US" dirty="0"/>
+          </a:p>
+        </p:txBody>
+      </p:sp>
+      <p:sp>
+        <p:nvSpPr>
+          <p:cNvPr id="5" name="Content Placeholder 4"/>
+          <p:cNvSpPr>
+            <a:spLocks noGrp="1"/>
+          </p:cNvSpPr>
+          <p:nvPr>
+            <p:ph idx="1"/>
+          </p:nvPr>
+        </p:nvSpPr>
+        <p:spPr/>
+        <p:txBody>
+          <a:bodyPr/>
+          <a:lstStyle/>
+          <a:p>
+            <a:r>
+              <a:rPr lang="en-US" dirty="0" smtClean="0"/>
+              <a:t>Instead of adding new bound variables on the way down, subtract them on the way up:</a:t>
+            </a:r>
+            <a:endParaRPr lang="en-US" dirty="0"/>
+          </a:p>
+        </p:txBody>
+      </p:sp>
+      <p:sp>
+        <p:nvSpPr>
+          <p:cNvPr id="4" name="Slide Number Placeholder 3"/>
+          <p:cNvSpPr>
+            <a:spLocks noGrp="1"/>
+          </p:cNvSpPr>
+          <p:nvPr>
+            <p:ph type="sldNum" sz="quarter" idx="12"/>
+          </p:nvPr>
+        </p:nvSpPr>
+        <p:spPr/>
+        <p:txBody>
+          <a:bodyPr/>
+          <a:lstStyle/>
+          <a:p>
+            <a:fld id="{2AF3B5EA-18B6-4040-9F78-6052AF49C681}" type="slidenum">
+              <a:rPr lang="en-US" smtClean="0"/>
+              <a:t>13</a:t>
+            </a:fld>
+            <a:endParaRPr lang="en-US"/>
+          </a:p>
+        </p:txBody>
+      </p:sp>
+    </p:spTree>
+    <p:extLst>
+      <p:ext uri="{BB962C8B-B14F-4D97-AF65-F5344CB8AC3E}">
+        <p14:creationId xmlns:p14="http://schemas.microsoft.com/office/powerpoint/2010/main" val="2130497631"/>
+      </p:ext>
+    </p:extLst>
+  </p:cSld>
+  <p:clrMapOvr>
+    <a:masterClrMapping/>
+  </p:clrMapOvr>
+</p:sld>
+</file>
+
+<file path=ppt/slides/slide14.xml><?xml version="1.0" encoding="utf-8"?>
+<p:sld xmlns:a="http://schemas.openxmlformats.org/drawingml/2006/main" xmlns:r="http://schemas.openxmlformats.org/officeDocument/2006/relationships" xmlns:p="http://schemas.openxmlformats.org/presentationml/2006/main">
+  <p:cSld>
+    <p:spTree>
+      <p:nvGrpSpPr>
+        <p:cNvPr id="1" name=""/>
+        <p:cNvGrpSpPr/>
+        <p:nvPr/>
+      </p:nvGrpSpPr>
+      <p:grpSpPr>
+        <a:xfrm>
+          <a:off x="0" y="0"/>
+          <a:ext cx="0" cy="0"/>
+          <a:chOff x="0" y="0"/>
+          <a:chExt cx="0" cy="0"/>
+        </a:xfrm>
+      </p:grpSpPr>
+      <p:sp>
+        <p:nvSpPr>
+          <p:cNvPr id="3" name="Content Placeholder 2"/>
+          <p:cNvSpPr>
+            <a:spLocks noGrp="1"/>
+          </p:cNvSpPr>
+          <p:nvPr>
+            <p:ph idx="1"/>
+          </p:nvPr>
+        </p:nvSpPr>
+        <p:spPr/>
+        <p:txBody>
+          <a:bodyPr>
+            <a:normAutofit/>
+          </a:bodyPr>
+          <a:lstStyle/>
+          <a:p>
+            <a:r>
+              <a:rPr lang="en-US" sz="1800" dirty="0" smtClean="0"/>
+              <a:t>;; STRATEGY: Use template for </a:t>
+            </a:r>
+            <a:r>
+              <a:rPr lang="en-US" sz="1800" dirty="0" err="1" smtClean="0"/>
+              <a:t>FredExp</a:t>
+            </a:r>
+            <a:r>
+              <a:rPr lang="en-US" sz="1800" dirty="0" smtClean="0"/>
+              <a:t> on f</a:t>
+            </a:r>
+          </a:p>
+          <a:p>
+            <a:endParaRPr lang="en-US" sz="1800" dirty="0" smtClean="0"/>
+          </a:p>
+          <a:p>
+            <a:r>
+              <a:rPr lang="en-US" sz="1800" dirty="0" smtClean="0"/>
+              <a:t>(</a:t>
+            </a:r>
+            <a:r>
+              <a:rPr lang="en-US" sz="1800" dirty="0"/>
+              <a:t>define (free-</a:t>
+            </a:r>
+            <a:r>
+              <a:rPr lang="en-US" sz="1800" dirty="0" err="1"/>
+              <a:t>vars</a:t>
+            </a:r>
+            <a:r>
+              <a:rPr lang="en-US" sz="1800" dirty="0"/>
+              <a:t> f) </a:t>
+            </a:r>
+          </a:p>
+          <a:p>
+            <a:r>
+              <a:rPr lang="en-US" sz="1800" dirty="0"/>
+              <a:t>  (</a:t>
+            </a:r>
+            <a:r>
+              <a:rPr lang="en-US" sz="1800" dirty="0" err="1"/>
+              <a:t>cond</a:t>
+            </a:r>
+            <a:endParaRPr lang="en-US" sz="1800" dirty="0"/>
+          </a:p>
+          <a:p>
+            <a:r>
+              <a:rPr lang="en-US" sz="1800" dirty="0"/>
+              <a:t>    [(</a:t>
+            </a:r>
+            <a:r>
+              <a:rPr lang="en-US" sz="1800" dirty="0" err="1"/>
+              <a:t>var</a:t>
+            </a:r>
+            <a:r>
+              <a:rPr lang="en-US" sz="1800" dirty="0"/>
+              <a:t>? f) (list (</a:t>
+            </a:r>
+            <a:r>
+              <a:rPr lang="en-US" sz="1800" dirty="0" err="1"/>
+              <a:t>var</a:t>
+            </a:r>
+            <a:r>
+              <a:rPr lang="en-US" sz="1800" dirty="0"/>
+              <a:t>-name f))]</a:t>
+            </a:r>
+          </a:p>
+          <a:p>
+            <a:r>
+              <a:rPr lang="en-US" sz="1800" dirty="0"/>
+              <a:t>    [(lam? f) (set-minus</a:t>
+            </a:r>
+          </a:p>
+          <a:p>
+            <a:r>
+              <a:rPr lang="en-US" sz="1800" dirty="0"/>
+              <a:t>                (free-</a:t>
+            </a:r>
+            <a:r>
+              <a:rPr lang="en-US" sz="1800" dirty="0" err="1"/>
+              <a:t>vars</a:t>
+            </a:r>
+            <a:r>
+              <a:rPr lang="en-US" sz="1800" dirty="0"/>
+              <a:t> (lam-body f))</a:t>
+            </a:r>
+          </a:p>
+          <a:p>
+            <a:r>
+              <a:rPr lang="en-US" sz="1800" dirty="0"/>
+              <a:t>                (lam-</a:t>
+            </a:r>
+            <a:r>
+              <a:rPr lang="en-US" sz="1800" dirty="0" err="1"/>
+              <a:t>var</a:t>
+            </a:r>
+            <a:r>
+              <a:rPr lang="en-US" sz="1800" dirty="0"/>
+              <a:t> f))]</a:t>
+            </a:r>
+          </a:p>
+          <a:p>
+            <a:r>
+              <a:rPr lang="en-US" sz="1800" dirty="0"/>
+              <a:t>    [(app? f) (set-union</a:t>
+            </a:r>
+          </a:p>
+          <a:p>
+            <a:r>
+              <a:rPr lang="en-US" sz="1800" dirty="0"/>
+              <a:t>                (free-</a:t>
+            </a:r>
+            <a:r>
+              <a:rPr lang="en-US" sz="1800" dirty="0" err="1"/>
+              <a:t>vars</a:t>
+            </a:r>
+            <a:r>
+              <a:rPr lang="en-US" sz="1800" dirty="0"/>
+              <a:t> (app-</a:t>
+            </a:r>
+            <a:r>
+              <a:rPr lang="en-US" sz="1800" dirty="0" err="1"/>
+              <a:t>fn</a:t>
+            </a:r>
+            <a:r>
+              <a:rPr lang="en-US" sz="1800" dirty="0"/>
+              <a:t> f))</a:t>
+            </a:r>
+          </a:p>
+          <a:p>
+            <a:r>
+              <a:rPr lang="en-US" sz="1800" dirty="0"/>
+              <a:t>                (free-</a:t>
+            </a:r>
+            <a:r>
+              <a:rPr lang="en-US" sz="1800" dirty="0" err="1"/>
+              <a:t>vars</a:t>
+            </a:r>
+            <a:r>
+              <a:rPr lang="en-US" sz="1800" dirty="0"/>
+              <a:t> (app-</a:t>
+            </a:r>
+            <a:r>
+              <a:rPr lang="en-US" sz="1800" dirty="0" err="1"/>
+              <a:t>arg</a:t>
+            </a:r>
+            <a:r>
+              <a:rPr lang="en-US" sz="1800" dirty="0"/>
+              <a:t> f)))]))</a:t>
+            </a:r>
+          </a:p>
+          <a:p>
+            <a:endParaRPr lang="en-US" sz="1800" dirty="0"/>
+          </a:p>
+        </p:txBody>
+      </p:sp>
+      <p:sp>
+        <p:nvSpPr>
+          <p:cNvPr id="2" name="Title 1"/>
+          <p:cNvSpPr>
+            <a:spLocks noGrp="1"/>
+          </p:cNvSpPr>
+          <p:nvPr>
+            <p:ph type="title"/>
+          </p:nvPr>
+        </p:nvSpPr>
+        <p:spPr/>
+        <p:txBody>
+          <a:bodyPr/>
+          <a:lstStyle/>
+          <a:p>
+            <a:r>
+              <a:rPr lang="en-US" dirty="0" smtClean="0"/>
+              <a:t>Function Definition</a:t>
+            </a:r>
+            <a:endParaRPr lang="en-US" dirty="0"/>
+          </a:p>
+        </p:txBody>
+      </p:sp>
+      <p:sp>
+        <p:nvSpPr>
+          <p:cNvPr id="10" name="Rectangle 9"/>
+          <p:cNvSpPr/>
+          <p:nvPr/>
+        </p:nvSpPr>
+        <p:spPr>
+          <a:xfrm>
+            <a:off x="5943600" y="1600200"/>
+            <a:ext cx="2743200" cy="2514600"/>
+          </a:xfrm>
+          <a:prstGeom prst="rect">
+            <a:avLst/>
+          </a:prstGeom>
+          <a:solidFill>
+            <a:schemeClr val="accent3">
+              <a:lumMod val="40000"/>
+              <a:lumOff val="60000"/>
+            </a:schemeClr>
+          </a:solidFill>
+          <a:ln/>
+        </p:spPr>
+        <p:style>
+          <a:lnRef idx="2">
+            <a:schemeClr val="accent1"/>
+          </a:lnRef>
+          <a:fillRef idx="1">
+            <a:schemeClr val="lt1"/>
+          </a:fillRef>
+          <a:effectRef idx="0">
+            <a:schemeClr val="accent1"/>
+          </a:effectRef>
+          <a:fontRef idx="minor">
+            <a:schemeClr val="dk1"/>
+          </a:fontRef>
+        </p:style>
+        <p:txBody>
+          <a:bodyPr rot="0" spcFirstLastPara="0" vertOverflow="overflow" horzOverflow="overflow" vert="horz" wrap="square" lIns="91440" tIns="45720" rIns="91440" bIns="45720" numCol="1" spcCol="0" rtlCol="0" fromWordArt="0" anchor="t" anchorCtr="0" forceAA="0" compatLnSpc="1">
+            <a:prstTxWarp prst="textNoShape">
+              <a:avLst/>
+            </a:prstTxWarp>
+            <a:noAutofit/>
+          </a:bodyPr>
+          <a:lstStyle/>
+          <a:p>
+            <a:r>
+              <a:rPr lang="en-US" sz="1400" dirty="0">
+                <a:solidFill>
+                  <a:schemeClr val="tx1"/>
+                </a:solidFill>
+              </a:rPr>
+              <a:t>We can write </a:t>
+            </a:r>
+            <a:r>
+              <a:rPr lang="en-US" sz="1400" b="1" dirty="0">
+                <a:solidFill>
+                  <a:schemeClr val="tx1"/>
+                </a:solidFill>
+              </a:rPr>
+              <a:t>free-</a:t>
+            </a:r>
+            <a:r>
+              <a:rPr lang="en-US" sz="1400" b="1" dirty="0" err="1">
+                <a:solidFill>
+                  <a:schemeClr val="tx1"/>
+                </a:solidFill>
+              </a:rPr>
+              <a:t>vars</a:t>
+            </a:r>
+            <a:r>
+              <a:rPr lang="en-US" sz="1400" dirty="0">
+                <a:solidFill>
+                  <a:schemeClr val="tx1"/>
+                </a:solidFill>
+              </a:rPr>
+              <a:t> as a straightforward structural decomposition, using the set operations from </a:t>
+            </a:r>
+            <a:r>
+              <a:rPr lang="en-US" sz="1400" b="1" dirty="0" err="1">
+                <a:solidFill>
+                  <a:schemeClr val="tx1"/>
+                </a:solidFill>
+              </a:rPr>
+              <a:t>sets.rkt</a:t>
+            </a:r>
+            <a:r>
+              <a:rPr lang="en-US" sz="1400" dirty="0">
+                <a:solidFill>
+                  <a:schemeClr val="tx1"/>
+                </a:solidFill>
+              </a:rPr>
+              <a:t>.  At each </a:t>
+            </a:r>
+            <a:r>
+              <a:rPr lang="en-US" sz="1400" b="1" dirty="0" smtClean="0">
+                <a:solidFill>
+                  <a:schemeClr val="tx1"/>
+                </a:solidFill>
+              </a:rPr>
+              <a:t>lam</a:t>
+            </a:r>
+            <a:r>
+              <a:rPr lang="en-US" sz="1400" dirty="0" smtClean="0">
+                <a:solidFill>
+                  <a:schemeClr val="tx1"/>
+                </a:solidFill>
+              </a:rPr>
+              <a:t>, </a:t>
+            </a:r>
+            <a:r>
+              <a:rPr lang="en-US" sz="1400" dirty="0">
+                <a:solidFill>
+                  <a:schemeClr val="tx1"/>
+                </a:solidFill>
+              </a:rPr>
+              <a:t>we </a:t>
+            </a:r>
+            <a:r>
+              <a:rPr lang="en-US" sz="1400" dirty="0" smtClean="0">
+                <a:solidFill>
+                  <a:schemeClr val="tx1"/>
+                </a:solidFill>
+              </a:rPr>
+              <a:t>find all the variables in the body, and then remove </a:t>
+            </a:r>
+            <a:r>
+              <a:rPr lang="en-US" sz="1400" dirty="0">
+                <a:solidFill>
+                  <a:schemeClr val="tx1"/>
+                </a:solidFill>
+              </a:rPr>
+              <a:t>the </a:t>
+            </a:r>
+            <a:r>
+              <a:rPr lang="en-US" sz="1400" dirty="0" smtClean="0">
+                <a:solidFill>
+                  <a:schemeClr val="tx1"/>
+                </a:solidFill>
+              </a:rPr>
+              <a:t>lambda-variable from that set</a:t>
+            </a:r>
+            <a:endParaRPr lang="en-US" sz="1400" dirty="0">
+              <a:solidFill>
+                <a:schemeClr val="tx1"/>
+              </a:solidFill>
+            </a:endParaRPr>
+          </a:p>
+          <a:p>
+            <a:r>
+              <a:rPr lang="en-US" sz="1400" dirty="0" smtClean="0">
+                <a:solidFill>
+                  <a:schemeClr val="tx1"/>
+                </a:solidFill>
+              </a:rPr>
+              <a:t>We </a:t>
+            </a:r>
+            <a:r>
+              <a:rPr lang="en-US" sz="1400" dirty="0">
+                <a:solidFill>
+                  <a:schemeClr val="tx1"/>
+                </a:solidFill>
+              </a:rPr>
+              <a:t>use </a:t>
+            </a:r>
+            <a:r>
+              <a:rPr lang="en-US" sz="1400" b="1" dirty="0">
+                <a:solidFill>
+                  <a:schemeClr val="tx1"/>
+                </a:solidFill>
+              </a:rPr>
+              <a:t>set-union</a:t>
+            </a:r>
+            <a:r>
+              <a:rPr lang="en-US" sz="1400" dirty="0">
+                <a:solidFill>
+                  <a:schemeClr val="tx1"/>
+                </a:solidFill>
+              </a:rPr>
+              <a:t>, rather than </a:t>
+            </a:r>
+            <a:r>
+              <a:rPr lang="en-US" sz="1400" b="1" dirty="0">
+                <a:solidFill>
+                  <a:schemeClr val="tx1"/>
+                </a:solidFill>
+              </a:rPr>
+              <a:t>append</a:t>
+            </a:r>
+            <a:r>
+              <a:rPr lang="en-US" sz="1400" dirty="0">
+                <a:solidFill>
+                  <a:schemeClr val="tx1"/>
+                </a:solidFill>
+              </a:rPr>
+              <a:t> or something like it, because we are supposed to return a set.</a:t>
+            </a:r>
+          </a:p>
+        </p:txBody>
+      </p:sp>
+      <p:sp>
+        <p:nvSpPr>
+          <p:cNvPr id="4" name="Slide Number Placeholder 3"/>
+          <p:cNvSpPr>
+            <a:spLocks noGrp="1"/>
+          </p:cNvSpPr>
+          <p:nvPr>
+            <p:ph type="sldNum" sz="quarter" idx="12"/>
+          </p:nvPr>
+        </p:nvSpPr>
+        <p:spPr/>
+        <p:txBody>
+          <a:bodyPr/>
+          <a:lstStyle/>
+          <a:p>
+            <a:fld id="{9F4492BD-6A9C-48FC-AC76-0B4FE11194A1}" type="slidenum">
+              <a:rPr lang="en-US" smtClean="0">
+                <a:solidFill>
+                  <a:prstClr val="black">
+                    <a:tint val="75000"/>
+                  </a:prstClr>
+                </a:solidFill>
+              </a:rPr>
+              <a:pPr/>
+              <a:t>14</a:t>
+            </a:fld>
+            <a:endParaRPr lang="en-US">
+              <a:solidFill>
+                <a:prstClr val="black">
+                  <a:tint val="75000"/>
+                </a:prstClr>
+              </a:solidFill>
+            </a:endParaRPr>
+          </a:p>
+        </p:txBody>
+      </p:sp>
+    </p:spTree>
+    <p:extLst>
+      <p:ext uri="{BB962C8B-B14F-4D97-AF65-F5344CB8AC3E}">
+        <p14:creationId xmlns:p14="http://schemas.microsoft.com/office/powerpoint/2010/main" val="2182056076"/>
+      </p:ext>
+    </p:extLst>
+  </p:cSld>
+  <p:clrMapOvr>
+    <a:masterClrMapping/>
+  </p:clrMapOvr>
+  <p:timing>
+    <p:tnLst>
+      <p:par>
+        <p:cTn id="1" dur="indefinite" restart="never" nodeType="tmRoot"/>
+      </p:par>
+    </p:tnLst>
+  </p:timing>
+</p:sld>
+</file>
+
+<file path=ppt/slides/slide15.xml><?xml version="1.0" encoding="utf-8"?>
 <p:sld xmlns:a="http://schemas.openxmlformats.org/drawingml/2006/main" xmlns:r="http://schemas.openxmlformats.org/officeDocument/2006/relationships" xmlns:p="http://schemas.openxmlformats.org/presentationml/2006/main">
   <p:cSld>
     <p:spTree>
@@ -6059,6 +7159,30 @@
       </p:graphicFrame>
       <p:sp>
         <p:nvSpPr>
+          <p:cNvPr id="2" name="Slide Number Placeholder 1"/>
+          <p:cNvSpPr>
+            <a:spLocks noGrp="1"/>
+          </p:cNvSpPr>
+          <p:nvPr>
+            <p:ph type="sldNum" sz="quarter" idx="12"/>
+          </p:nvPr>
+        </p:nvSpPr>
+        <p:spPr/>
+        <p:txBody>
+          <a:bodyPr/>
+          <a:lstStyle/>
+          <a:p>
+            <a:fld id="{9F4492BD-6A9C-48FC-AC76-0B4FE11194A1}" type="slidenum">
+              <a:rPr lang="en-US" smtClean="0"/>
+              <a:pPr/>
+              <a:t>15</a:t>
+            </a:fld>
+            <a:endParaRPr lang="en-US"/>
+          </a:p>
+        </p:txBody>
+      </p:sp>
+      <p:sp>
+        <p:nvSpPr>
           <p:cNvPr id="3" name="Rectangle 2"/>
           <p:cNvSpPr/>
           <p:nvPr/>
@@ -6161,336 +7285,10 @@
           </a:p>
         </p:txBody>
       </p:sp>
-      <p:sp>
-        <p:nvSpPr>
-          <p:cNvPr id="2" name="Slide Number Placeholder 1"/>
-          <p:cNvSpPr>
-            <a:spLocks noGrp="1"/>
-          </p:cNvSpPr>
-          <p:nvPr>
-            <p:ph type="sldNum" sz="quarter" idx="12"/>
-          </p:nvPr>
-        </p:nvSpPr>
-        <p:spPr/>
-        <p:txBody>
-          <a:bodyPr/>
-          <a:lstStyle/>
-          <a:p>
-            <a:fld id="{9F4492BD-6A9C-48FC-AC76-0B4FE11194A1}" type="slidenum">
-              <a:rPr lang="en-US" smtClean="0"/>
-              <a:pPr/>
-              <a:t>13</a:t>
-            </a:fld>
-            <a:endParaRPr lang="en-US"/>
-          </a:p>
-        </p:txBody>
-      </p:sp>
     </p:spTree>
     <p:extLst>
       <p:ext uri="{BB962C8B-B14F-4D97-AF65-F5344CB8AC3E}">
         <p14:creationId xmlns:p14="http://schemas.microsoft.com/office/powerpoint/2010/main" val="155416567"/>
-      </p:ext>
-    </p:extLst>
-  </p:cSld>
-  <p:clrMapOvr>
-    <a:masterClrMapping/>
-  </p:clrMapOvr>
-  <p:timing>
-    <p:tnLst>
-      <p:par>
-        <p:cTn id="1" dur="indefinite" restart="never" nodeType="tmRoot"/>
-      </p:par>
-    </p:tnLst>
-  </p:timing>
-</p:sld>
-</file>
-
-<file path=ppt/slides/slide14.xml><?xml version="1.0" encoding="utf-8"?>
-<p:sld xmlns:a="http://schemas.openxmlformats.org/drawingml/2006/main" xmlns:r="http://schemas.openxmlformats.org/officeDocument/2006/relationships" xmlns:p="http://schemas.openxmlformats.org/presentationml/2006/main">
-  <p:cSld>
-    <p:spTree>
-      <p:nvGrpSpPr>
-        <p:cNvPr id="1" name=""/>
-        <p:cNvGrpSpPr/>
-        <p:nvPr/>
-      </p:nvGrpSpPr>
-      <p:grpSpPr>
-        <a:xfrm>
-          <a:off x="0" y="0"/>
-          <a:ext cx="0" cy="0"/>
-          <a:chOff x="0" y="0"/>
-          <a:chExt cx="0" cy="0"/>
-        </a:xfrm>
-      </p:grpSpPr>
-      <p:sp>
-        <p:nvSpPr>
-          <p:cNvPr id="2" name="Title 1"/>
-          <p:cNvSpPr>
-            <a:spLocks noGrp="1"/>
-          </p:cNvSpPr>
-          <p:nvPr>
-            <p:ph type="title"/>
-          </p:nvPr>
-        </p:nvSpPr>
-        <p:spPr/>
-        <p:txBody>
-          <a:bodyPr>
-            <a:normAutofit fontScale="90000"/>
-          </a:bodyPr>
-          <a:lstStyle/>
-          <a:p>
-            <a:r>
-              <a:rPr lang="en-US" dirty="0" smtClean="0"/>
-              <a:t>But performance really isn't the point</a:t>
-            </a:r>
-            <a:endParaRPr lang="en-US" dirty="0"/>
-          </a:p>
-        </p:txBody>
-      </p:sp>
-      <p:sp>
-        <p:nvSpPr>
-          <p:cNvPr id="3" name="Content Placeholder 2"/>
-          <p:cNvSpPr>
-            <a:spLocks noGrp="1"/>
-          </p:cNvSpPr>
-          <p:nvPr>
-            <p:ph idx="1"/>
-          </p:nvPr>
-        </p:nvSpPr>
-        <p:spPr/>
-        <p:txBody>
-          <a:bodyPr>
-            <a:normAutofit fontScale="85000" lnSpcReduction="20000"/>
-          </a:bodyPr>
-          <a:lstStyle/>
-          <a:p>
-            <a:r>
-              <a:rPr lang="en-US" dirty="0" smtClean="0"/>
-              <a:t>The real point of invariants is to </a:t>
-            </a:r>
-            <a:r>
-              <a:rPr lang="en-US" i="1" dirty="0" smtClean="0">
-                <a:solidFill>
-                  <a:srgbClr val="FF0000"/>
-                </a:solidFill>
-              </a:rPr>
-              <a:t>document the assumptions</a:t>
-            </a:r>
-            <a:r>
-              <a:rPr lang="en-US" dirty="0" smtClean="0"/>
-              <a:t> that a function makes about the world it lives in.</a:t>
-            </a:r>
-          </a:p>
-          <a:p>
-            <a:r>
-              <a:rPr lang="en-US" dirty="0" smtClean="0"/>
-              <a:t>Many times, those assumptions are things the function cannot check except with great difficulty</a:t>
-            </a:r>
-          </a:p>
-          <a:p>
-            <a:pPr lvl="1"/>
-            <a:r>
-              <a:rPr lang="en-US" dirty="0" smtClean="0"/>
-              <a:t>e.g., the order contains no duplicates</a:t>
-            </a:r>
-          </a:p>
-          <a:p>
-            <a:pPr lvl="1"/>
-            <a:r>
-              <a:rPr lang="en-US" dirty="0" smtClean="0"/>
-              <a:t>e.g., the inventory is sorted</a:t>
-            </a:r>
-          </a:p>
-          <a:p>
-            <a:r>
-              <a:rPr lang="en-US" dirty="0" smtClean="0"/>
-              <a:t>You want to check these things once, and then the other functions can rely on them.</a:t>
-            </a:r>
-          </a:p>
-          <a:p>
-            <a:r>
-              <a:rPr lang="en-US" dirty="0" smtClean="0"/>
-              <a:t>This also means you have a single point of control for these checks</a:t>
-            </a:r>
-          </a:p>
-          <a:p>
-            <a:pPr lvl="1"/>
-            <a:r>
-              <a:rPr lang="en-US" dirty="0" smtClean="0"/>
-              <a:t>this leads to a better design</a:t>
-            </a:r>
-            <a:endParaRPr lang="en-US" dirty="0"/>
-          </a:p>
-        </p:txBody>
-      </p:sp>
-      <p:sp>
-        <p:nvSpPr>
-          <p:cNvPr id="4" name="Slide Number Placeholder 3"/>
-          <p:cNvSpPr>
-            <a:spLocks noGrp="1"/>
-          </p:cNvSpPr>
-          <p:nvPr>
-            <p:ph type="sldNum" sz="quarter" idx="12"/>
-          </p:nvPr>
-        </p:nvSpPr>
-        <p:spPr/>
-        <p:txBody>
-          <a:bodyPr/>
-          <a:lstStyle/>
-          <a:p>
-            <a:fld id="{9F4492BD-6A9C-48FC-AC76-0B4FE11194A1}" type="slidenum">
-              <a:rPr lang="en-US" smtClean="0"/>
-              <a:pPr/>
-              <a:t>14</a:t>
-            </a:fld>
-            <a:endParaRPr lang="en-US"/>
-          </a:p>
-        </p:txBody>
-      </p:sp>
-    </p:spTree>
-    <p:extLst>
-      <p:ext uri="{BB962C8B-B14F-4D97-AF65-F5344CB8AC3E}">
-        <p14:creationId xmlns:p14="http://schemas.microsoft.com/office/powerpoint/2010/main" val="270815677"/>
-      </p:ext>
-    </p:extLst>
-  </p:cSld>
-  <p:clrMapOvr>
-    <a:masterClrMapping/>
-  </p:clrMapOvr>
-  <p:timing>
-    <p:tnLst>
-      <p:par>
-        <p:cTn id="1" dur="indefinite" restart="never" nodeType="tmRoot"/>
-      </p:par>
-    </p:tnLst>
-  </p:timing>
-</p:sld>
-</file>
-
-<file path=ppt/slides/slide15.xml><?xml version="1.0" encoding="utf-8"?>
-<p:sld xmlns:a="http://schemas.openxmlformats.org/drawingml/2006/main" xmlns:r="http://schemas.openxmlformats.org/officeDocument/2006/relationships" xmlns:p="http://schemas.openxmlformats.org/presentationml/2006/main">
-  <p:cSld>
-    <p:spTree>
-      <p:nvGrpSpPr>
-        <p:cNvPr id="1" name=""/>
-        <p:cNvGrpSpPr/>
-        <p:nvPr/>
-      </p:nvGrpSpPr>
-      <p:grpSpPr>
-        <a:xfrm>
-          <a:off x="0" y="0"/>
-          <a:ext cx="0" cy="0"/>
-          <a:chOff x="0" y="0"/>
-          <a:chExt cx="0" cy="0"/>
-        </a:xfrm>
-      </p:grpSpPr>
-      <p:sp>
-        <p:nvSpPr>
-          <p:cNvPr id="2" name="Title 1"/>
-          <p:cNvSpPr>
-            <a:spLocks noGrp="1"/>
-          </p:cNvSpPr>
-          <p:nvPr>
-            <p:ph type="title"/>
-          </p:nvPr>
-        </p:nvSpPr>
-        <p:spPr/>
-        <p:txBody>
-          <a:bodyPr/>
-          <a:lstStyle/>
-          <a:p>
-            <a:r>
-              <a:rPr lang="en-US" dirty="0" smtClean="0"/>
-              <a:t>Summary</a:t>
-            </a:r>
-            <a:endParaRPr lang="en-US" dirty="0"/>
-          </a:p>
-        </p:txBody>
-      </p:sp>
-      <p:sp>
-        <p:nvSpPr>
-          <p:cNvPr id="3" name="Content Placeholder 2"/>
-          <p:cNvSpPr>
-            <a:spLocks noGrp="1"/>
-          </p:cNvSpPr>
-          <p:nvPr>
-            <p:ph idx="1"/>
-          </p:nvPr>
-        </p:nvSpPr>
-        <p:spPr/>
-        <p:txBody>
-          <a:bodyPr>
-            <a:normAutofit/>
-          </a:bodyPr>
-          <a:lstStyle/>
-          <a:p>
-            <a:r>
-              <a:rPr lang="en-US" dirty="0" smtClean="0"/>
-              <a:t>You should now be </a:t>
-            </a:r>
-            <a:r>
-              <a:rPr lang="en-US" dirty="0"/>
-              <a:t>able to</a:t>
-            </a:r>
-          </a:p>
-          <a:p>
-            <a:pPr lvl="1"/>
-            <a:r>
-              <a:rPr lang="en-US" dirty="0" smtClean="0"/>
-              <a:t>show </a:t>
-            </a:r>
-            <a:r>
-              <a:rPr lang="en-US" dirty="0"/>
-              <a:t>two examples of functions that can be written either with context arguments or without them</a:t>
-            </a:r>
-          </a:p>
-          <a:p>
-            <a:pPr lvl="1"/>
-            <a:r>
-              <a:rPr lang="en-US" dirty="0"/>
-              <a:t>explain why the version with context arguments are far more efficient</a:t>
-            </a:r>
-          </a:p>
-          <a:p>
-            <a:pPr lvl="1"/>
-            <a:r>
-              <a:rPr lang="en-US" dirty="0"/>
-              <a:t>explain how context arguments and invariants can lead to better designs.</a:t>
-            </a:r>
-          </a:p>
-          <a:p>
-            <a:endParaRPr lang="en-US" dirty="0"/>
-          </a:p>
-        </p:txBody>
-      </p:sp>
-      <p:sp>
-        <p:nvSpPr>
-          <p:cNvPr id="4" name="Slide Number Placeholder 3"/>
-          <p:cNvSpPr>
-            <a:spLocks noGrp="1"/>
-          </p:cNvSpPr>
-          <p:nvPr>
-            <p:ph type="sldNum" sz="quarter" idx="12"/>
-          </p:nvPr>
-        </p:nvSpPr>
-        <p:spPr/>
-        <p:txBody>
-          <a:bodyPr/>
-          <a:lstStyle/>
-          <a:p>
-            <a:fld id="{9F4492BD-6A9C-48FC-AC76-0B4FE11194A1}" type="slidenum">
-              <a:rPr lang="en-US" smtClean="0"/>
-              <a:pPr/>
-              <a:t>15</a:t>
-            </a:fld>
-            <a:endParaRPr lang="en-US"/>
-          </a:p>
-        </p:txBody>
-      </p:sp>
-    </p:spTree>
-    <p:extLst>
-      <p:ext uri="{BB962C8B-B14F-4D97-AF65-F5344CB8AC3E}">
-        <p14:creationId xmlns:p14="http://schemas.microsoft.com/office/powerpoint/2010/main" val="447974657"/>
       </p:ext>
     </p:extLst>
   </p:cSld>
@@ -6536,6 +7334,308 @@
         </p:nvSpPr>
         <p:spPr/>
         <p:txBody>
+          <a:bodyPr>
+            <a:normAutofit fontScale="90000"/>
+          </a:bodyPr>
+          <a:lstStyle/>
+          <a:p>
+            <a:r>
+              <a:rPr lang="en-US" dirty="0" smtClean="0"/>
+              <a:t>But performance really isn't the point</a:t>
+            </a:r>
+            <a:endParaRPr lang="en-US" dirty="0"/>
+          </a:p>
+        </p:txBody>
+      </p:sp>
+      <p:sp>
+        <p:nvSpPr>
+          <p:cNvPr id="3" name="Content Placeholder 2"/>
+          <p:cNvSpPr>
+            <a:spLocks noGrp="1"/>
+          </p:cNvSpPr>
+          <p:nvPr>
+            <p:ph idx="1"/>
+          </p:nvPr>
+        </p:nvSpPr>
+        <p:spPr/>
+        <p:txBody>
+          <a:bodyPr>
+            <a:normAutofit fontScale="85000" lnSpcReduction="20000"/>
+          </a:bodyPr>
+          <a:lstStyle/>
+          <a:p>
+            <a:r>
+              <a:rPr lang="en-US" dirty="0" smtClean="0"/>
+              <a:t>The real point of invariants is to </a:t>
+            </a:r>
+            <a:r>
+              <a:rPr lang="en-US" i="1" dirty="0" smtClean="0">
+                <a:solidFill>
+                  <a:srgbClr val="FF0000"/>
+                </a:solidFill>
+              </a:rPr>
+              <a:t>document the assumptions</a:t>
+            </a:r>
+            <a:r>
+              <a:rPr lang="en-US" dirty="0" smtClean="0"/>
+              <a:t> that a function makes about the world it lives in.</a:t>
+            </a:r>
+          </a:p>
+          <a:p>
+            <a:r>
+              <a:rPr lang="en-US" dirty="0" smtClean="0"/>
+              <a:t>Many times, those assumptions are things the function cannot check except with great difficulty</a:t>
+            </a:r>
+          </a:p>
+          <a:p>
+            <a:pPr lvl="1"/>
+            <a:r>
+              <a:rPr lang="en-US" dirty="0" smtClean="0"/>
+              <a:t>e.g., the order contains no duplicates</a:t>
+            </a:r>
+          </a:p>
+          <a:p>
+            <a:pPr lvl="1"/>
+            <a:r>
+              <a:rPr lang="en-US" dirty="0" smtClean="0"/>
+              <a:t>e.g., the inventory is sorted</a:t>
+            </a:r>
+          </a:p>
+          <a:p>
+            <a:r>
+              <a:rPr lang="en-US" dirty="0" smtClean="0"/>
+              <a:t>You want to check these things once, and then the other functions can rely on them.</a:t>
+            </a:r>
+          </a:p>
+          <a:p>
+            <a:r>
+              <a:rPr lang="en-US" dirty="0" smtClean="0"/>
+              <a:t>This also means you have a single point of control for these checks</a:t>
+            </a:r>
+          </a:p>
+          <a:p>
+            <a:pPr lvl="1"/>
+            <a:r>
+              <a:rPr lang="en-US" dirty="0" smtClean="0"/>
+              <a:t>this leads to a better design</a:t>
+            </a:r>
+            <a:endParaRPr lang="en-US" dirty="0"/>
+          </a:p>
+        </p:txBody>
+      </p:sp>
+      <p:sp>
+        <p:nvSpPr>
+          <p:cNvPr id="4" name="Slide Number Placeholder 3"/>
+          <p:cNvSpPr>
+            <a:spLocks noGrp="1"/>
+          </p:cNvSpPr>
+          <p:nvPr>
+            <p:ph type="sldNum" sz="quarter" idx="12"/>
+          </p:nvPr>
+        </p:nvSpPr>
+        <p:spPr/>
+        <p:txBody>
+          <a:bodyPr/>
+          <a:lstStyle/>
+          <a:p>
+            <a:fld id="{9F4492BD-6A9C-48FC-AC76-0B4FE11194A1}" type="slidenum">
+              <a:rPr lang="en-US" smtClean="0"/>
+              <a:pPr/>
+              <a:t>16</a:t>
+            </a:fld>
+            <a:endParaRPr lang="en-US"/>
+          </a:p>
+        </p:txBody>
+      </p:sp>
+    </p:spTree>
+    <p:extLst>
+      <p:ext uri="{BB962C8B-B14F-4D97-AF65-F5344CB8AC3E}">
+        <p14:creationId xmlns:p14="http://schemas.microsoft.com/office/powerpoint/2010/main" val="270815677"/>
+      </p:ext>
+    </p:extLst>
+  </p:cSld>
+  <p:clrMapOvr>
+    <a:masterClrMapping/>
+  </p:clrMapOvr>
+  <p:timing>
+    <p:tnLst>
+      <p:par>
+        <p:cTn id="1" dur="indefinite" restart="never" nodeType="tmRoot"/>
+      </p:par>
+    </p:tnLst>
+  </p:timing>
+</p:sld>
+</file>
+
+<file path=ppt/slides/slide17.xml><?xml version="1.0" encoding="utf-8"?>
+<p:sld xmlns:a="http://schemas.openxmlformats.org/drawingml/2006/main" xmlns:r="http://schemas.openxmlformats.org/officeDocument/2006/relationships" xmlns:p="http://schemas.openxmlformats.org/presentationml/2006/main">
+  <p:cSld>
+    <p:spTree>
+      <p:nvGrpSpPr>
+        <p:cNvPr id="1" name=""/>
+        <p:cNvGrpSpPr/>
+        <p:nvPr/>
+      </p:nvGrpSpPr>
+      <p:grpSpPr>
+        <a:xfrm>
+          <a:off x="0" y="0"/>
+          <a:ext cx="0" cy="0"/>
+          <a:chOff x="0" y="0"/>
+          <a:chExt cx="0" cy="0"/>
+        </a:xfrm>
+      </p:grpSpPr>
+      <p:sp>
+        <p:nvSpPr>
+          <p:cNvPr id="2" name="Title 1"/>
+          <p:cNvSpPr>
+            <a:spLocks noGrp="1"/>
+          </p:cNvSpPr>
+          <p:nvPr>
+            <p:ph type="title"/>
+          </p:nvPr>
+        </p:nvSpPr>
+        <p:spPr/>
+        <p:txBody>
+          <a:bodyPr/>
+          <a:lstStyle/>
+          <a:p>
+            <a:r>
+              <a:rPr lang="en-US" dirty="0" smtClean="0"/>
+              <a:t>Summary</a:t>
+            </a:r>
+            <a:endParaRPr lang="en-US" dirty="0"/>
+          </a:p>
+        </p:txBody>
+      </p:sp>
+      <p:sp>
+        <p:nvSpPr>
+          <p:cNvPr id="3" name="Content Placeholder 2"/>
+          <p:cNvSpPr>
+            <a:spLocks noGrp="1"/>
+          </p:cNvSpPr>
+          <p:nvPr>
+            <p:ph idx="1"/>
+          </p:nvPr>
+        </p:nvSpPr>
+        <p:spPr/>
+        <p:txBody>
+          <a:bodyPr>
+            <a:normAutofit/>
+          </a:bodyPr>
+          <a:lstStyle/>
+          <a:p>
+            <a:r>
+              <a:rPr lang="en-US" dirty="0" smtClean="0"/>
+              <a:t>You should now be </a:t>
+            </a:r>
+            <a:r>
+              <a:rPr lang="en-US" dirty="0"/>
+              <a:t>able to</a:t>
+            </a:r>
+          </a:p>
+          <a:p>
+            <a:pPr lvl="1"/>
+            <a:r>
+              <a:rPr lang="en-US" dirty="0" smtClean="0"/>
+              <a:t>show </a:t>
+            </a:r>
+            <a:r>
+              <a:rPr lang="en-US" dirty="0"/>
+              <a:t>two examples of functions that can be written either with context arguments or without them</a:t>
+            </a:r>
+          </a:p>
+          <a:p>
+            <a:pPr lvl="1"/>
+            <a:r>
+              <a:rPr lang="en-US" dirty="0"/>
+              <a:t>explain why the version with context arguments are far more efficient</a:t>
+            </a:r>
+          </a:p>
+          <a:p>
+            <a:pPr lvl="1"/>
+            <a:r>
+              <a:rPr lang="en-US" dirty="0"/>
+              <a:t>explain how context arguments and invariants can lead to better designs.</a:t>
+            </a:r>
+          </a:p>
+          <a:p>
+            <a:endParaRPr lang="en-US" dirty="0"/>
+          </a:p>
+        </p:txBody>
+      </p:sp>
+      <p:sp>
+        <p:nvSpPr>
+          <p:cNvPr id="4" name="Slide Number Placeholder 3"/>
+          <p:cNvSpPr>
+            <a:spLocks noGrp="1"/>
+          </p:cNvSpPr>
+          <p:nvPr>
+            <p:ph type="sldNum" sz="quarter" idx="12"/>
+          </p:nvPr>
+        </p:nvSpPr>
+        <p:spPr/>
+        <p:txBody>
+          <a:bodyPr/>
+          <a:lstStyle/>
+          <a:p>
+            <a:fld id="{9F4492BD-6A9C-48FC-AC76-0B4FE11194A1}" type="slidenum">
+              <a:rPr lang="en-US" smtClean="0"/>
+              <a:pPr/>
+              <a:t>17</a:t>
+            </a:fld>
+            <a:endParaRPr lang="en-US"/>
+          </a:p>
+        </p:txBody>
+      </p:sp>
+    </p:spTree>
+    <p:extLst>
+      <p:ext uri="{BB962C8B-B14F-4D97-AF65-F5344CB8AC3E}">
+        <p14:creationId xmlns:p14="http://schemas.microsoft.com/office/powerpoint/2010/main" val="447974657"/>
+      </p:ext>
+    </p:extLst>
+  </p:cSld>
+  <p:clrMapOvr>
+    <a:masterClrMapping/>
+  </p:clrMapOvr>
+  <p:timing>
+    <p:tnLst>
+      <p:par>
+        <p:cTn id="1" dur="indefinite" restart="never" nodeType="tmRoot"/>
+      </p:par>
+    </p:tnLst>
+  </p:timing>
+</p:sld>
+</file>
+
+<file path=ppt/slides/slide18.xml><?xml version="1.0" encoding="utf-8"?>
+<p:sld xmlns:a="http://schemas.openxmlformats.org/drawingml/2006/main" xmlns:r="http://schemas.openxmlformats.org/officeDocument/2006/relationships" xmlns:p="http://schemas.openxmlformats.org/presentationml/2006/main">
+  <p:cSld>
+    <p:spTree>
+      <p:nvGrpSpPr>
+        <p:cNvPr id="1" name=""/>
+        <p:cNvGrpSpPr/>
+        <p:nvPr/>
+      </p:nvGrpSpPr>
+      <p:grpSpPr>
+        <a:xfrm>
+          <a:off x="0" y="0"/>
+          <a:ext cx="0" cy="0"/>
+          <a:chOff x="0" y="0"/>
+          <a:chExt cx="0" cy="0"/>
+        </a:xfrm>
+      </p:grpSpPr>
+      <p:sp>
+        <p:nvSpPr>
+          <p:cNvPr id="2" name="Title 1"/>
+          <p:cNvSpPr>
+            <a:spLocks noGrp="1"/>
+          </p:cNvSpPr>
+          <p:nvPr>
+            <p:ph type="title"/>
+          </p:nvPr>
+        </p:nvSpPr>
+        <p:spPr/>
+        <p:txBody>
           <a:bodyPr/>
           <a:lstStyle/>
           <a:p>
@@ -6570,7 +7670,15 @@
           <a:p>
             <a:r>
               <a:rPr lang="en-US" dirty="0" smtClean="0"/>
-              <a:t>Do Problem Set 6.</a:t>
+              <a:t>Do Problem </a:t>
+            </a:r>
+            <a:r>
+              <a:rPr lang="en-US" smtClean="0"/>
+              <a:t>Set </a:t>
+            </a:r>
+            <a:r>
+              <a:rPr lang="en-US" smtClean="0"/>
+              <a:t>7.</a:t>
             </a:r>
             <a:endParaRPr lang="en-US" dirty="0"/>
           </a:p>
@@ -6594,7 +7702,7 @@
             <a:fld id="{9F4492BD-6A9C-48FC-AC76-0B4FE11194A1}" type="slidenum">
               <a:rPr lang="en-US" smtClean="0"/>
               <a:pPr/>
-              <a:t>16</a:t>
+              <a:t>18</a:t>
             </a:fld>
             <a:endParaRPr lang="en-US"/>
           </a:p>
@@ -6925,65 +8033,256 @@
         <p:spPr/>
         <p:txBody>
           <a:bodyPr>
-            <a:normAutofit/>
+            <a:normAutofit fontScale="92500" lnSpcReduction="10000"/>
           </a:bodyPr>
           <a:lstStyle/>
           <a:p>
             <a:pPr>
               <a:buNone/>
             </a:pPr>
+            <a:r>
+              <a:rPr lang="en-US" sz="2400" b="1" dirty="0">
+                <a:latin typeface="Consolas" pitchFamily="49" charset="0"/>
+                <a:cs typeface="Consolas" pitchFamily="49" charset="0"/>
+              </a:rPr>
+              <a:t>A </a:t>
+            </a:r>
+            <a:r>
+              <a:rPr lang="en-US" sz="2400" b="1" dirty="0" err="1">
+                <a:latin typeface="Consolas" pitchFamily="49" charset="0"/>
+                <a:cs typeface="Consolas" pitchFamily="49" charset="0"/>
+              </a:rPr>
+              <a:t>NumberedX</a:t>
+            </a:r>
+            <a:r>
+              <a:rPr lang="en-US" sz="2400" b="1" dirty="0">
+                <a:latin typeface="Consolas" pitchFamily="49" charset="0"/>
+                <a:cs typeface="Consolas" pitchFamily="49" charset="0"/>
+              </a:rPr>
+              <a:t> </a:t>
+            </a:r>
             <a:r>
               <a:rPr lang="en-US" sz="2400" b="1" dirty="0" smtClean="0">
                 <a:latin typeface="Consolas" pitchFamily="49" charset="0"/>
                 <a:cs typeface="Consolas" pitchFamily="49" charset="0"/>
               </a:rPr>
+              <a:t>      is </a:t>
+            </a:r>
+            <a:r>
+              <a:rPr lang="en-US" sz="2400" b="1" dirty="0">
+                <a:latin typeface="Consolas" pitchFamily="49" charset="0"/>
+                <a:cs typeface="Consolas" pitchFamily="49" charset="0"/>
+              </a:rPr>
+              <a:t>a (list </a:t>
+            </a:r>
+            <a:r>
+              <a:rPr lang="en-US" sz="2400" b="1" dirty="0" err="1">
+                <a:latin typeface="Consolas" pitchFamily="49" charset="0"/>
+                <a:cs typeface="Consolas" pitchFamily="49" charset="0"/>
+              </a:rPr>
+              <a:t>Int</a:t>
+            </a:r>
+            <a:r>
+              <a:rPr lang="en-US" sz="2400" b="1" dirty="0">
+                <a:latin typeface="Consolas" pitchFamily="49" charset="0"/>
+                <a:cs typeface="Consolas" pitchFamily="49" charset="0"/>
+              </a:rPr>
+              <a:t> X)</a:t>
+            </a:r>
+          </a:p>
+          <a:p>
+            <a:pPr>
+              <a:buNone/>
+            </a:pPr>
+            <a:r>
+              <a:rPr lang="en-US" sz="2400" b="1" dirty="0">
+                <a:latin typeface="Consolas" pitchFamily="49" charset="0"/>
+                <a:cs typeface="Consolas" pitchFamily="49" charset="0"/>
+              </a:rPr>
               <a:t>A </a:t>
+            </a:r>
+            <a:r>
+              <a:rPr lang="en-US" sz="2400" b="1" dirty="0" err="1">
+                <a:latin typeface="Consolas" pitchFamily="49" charset="0"/>
+                <a:cs typeface="Consolas" pitchFamily="49" charset="0"/>
+              </a:rPr>
+              <a:t>NumberedListOfX</a:t>
+            </a:r>
+            <a:r>
+              <a:rPr lang="en-US" sz="2400" b="1" dirty="0">
+                <a:latin typeface="Consolas" pitchFamily="49" charset="0"/>
+                <a:cs typeface="Consolas" pitchFamily="49" charset="0"/>
+              </a:rPr>
+              <a:t> is a </a:t>
             </a:r>
             <a:r>
               <a:rPr lang="en-US" sz="2400" b="1" dirty="0" err="1" smtClean="0">
                 <a:latin typeface="Consolas" pitchFamily="49" charset="0"/>
                 <a:cs typeface="Consolas" pitchFamily="49" charset="0"/>
               </a:rPr>
-              <a:t>NumberedListOf</a:t>
-            </a:r>
-            <a:r>
-              <a:rPr lang="en-US" sz="2400" b="1" dirty="0" smtClean="0">
+              <a:t>ListOfNumberedX</a:t>
+            </a:r>
+            <a:endParaRPr lang="en-US" sz="2400" b="1" dirty="0" smtClean="0">
+              <a:latin typeface="Consolas" pitchFamily="49" charset="0"/>
+              <a:cs typeface="Consolas" pitchFamily="49" charset="0"/>
+            </a:endParaRPr>
+          </a:p>
+          <a:p>
+            <a:pPr>
+              <a:buNone/>
+            </a:pPr>
+            <a:endParaRPr lang="en-US" sz="2400" b="1" dirty="0">
+              <a:latin typeface="Consolas" pitchFamily="49" charset="0"/>
+              <a:cs typeface="Consolas" pitchFamily="49" charset="0"/>
+            </a:endParaRPr>
+          </a:p>
+          <a:p>
+            <a:pPr>
+              <a:spcBef>
+                <a:spcPts val="0"/>
+              </a:spcBef>
+              <a:buNone/>
+            </a:pPr>
+            <a:r>
+              <a:rPr lang="en-US" sz="2400" b="1" dirty="0">
                 <a:latin typeface="Consolas" pitchFamily="49" charset="0"/>
                 <a:cs typeface="Consolas" pitchFamily="49" charset="0"/>
               </a:rPr>
-              <a:t>&lt;X&gt; is a </a:t>
-            </a:r>
-            <a:r>
-              <a:rPr lang="en-US" sz="2400" b="1" dirty="0" err="1" smtClean="0">
+              <a:t>number-list : </a:t>
+            </a:r>
+            <a:r>
+              <a:rPr lang="en-US" sz="2400" b="1" dirty="0" err="1">
                 <a:latin typeface="Consolas" pitchFamily="49" charset="0"/>
                 <a:cs typeface="Consolas" pitchFamily="49" charset="0"/>
               </a:rPr>
-              <a:t>ListOf</a:t>
-            </a:r>
-            <a:r>
-              <a:rPr lang="en-US" sz="2400" b="1" dirty="0" smtClean="0">
+              <a:t>ListOfX</a:t>
+            </a:r>
+            <a:r>
+              <a:rPr lang="en-US" sz="2400" b="1" dirty="0">
                 <a:latin typeface="Consolas" pitchFamily="49" charset="0"/>
                 <a:cs typeface="Consolas" pitchFamily="49" charset="0"/>
               </a:rPr>
-              <a:t>&lt;(list </a:t>
-            </a:r>
-            <a:r>
-              <a:rPr lang="en-US" sz="2400" b="1" dirty="0" err="1" smtClean="0">
+              <a:t> -&gt; </a:t>
+            </a:r>
+            <a:r>
+              <a:rPr lang="en-US" sz="2400" b="1" dirty="0" err="1">
                 <a:latin typeface="Consolas" pitchFamily="49" charset="0"/>
                 <a:cs typeface="Consolas" pitchFamily="49" charset="0"/>
               </a:rPr>
-              <a:t>Num</a:t>
-            </a:r>
-            <a:r>
-              <a:rPr lang="en-US" sz="2400" b="1" dirty="0" smtClean="0">
+              <a:t>NumberedListOfX</a:t>
+            </a:r>
+            <a:endParaRPr lang="en-US" sz="2400" b="1" dirty="0">
+              <a:latin typeface="Consolas" pitchFamily="49" charset="0"/>
+              <a:cs typeface="Consolas" pitchFamily="49" charset="0"/>
+            </a:endParaRPr>
+          </a:p>
+          <a:p>
+            <a:pPr>
+              <a:spcBef>
+                <a:spcPts val="0"/>
+              </a:spcBef>
+              <a:buNone/>
+            </a:pPr>
+            <a:r>
+              <a:rPr lang="en-US" sz="2400" b="1" dirty="0">
                 <a:latin typeface="Consolas" pitchFamily="49" charset="0"/>
                 <a:cs typeface="Consolas" pitchFamily="49" charset="0"/>
               </a:rPr>
-              <a:t> X)&gt;</a:t>
+              <a:t>RETURNS: a list like the original, but with the</a:t>
             </a:r>
           </a:p>
           <a:p>
             <a:pPr>
+              <a:spcBef>
+                <a:spcPts val="0"/>
+              </a:spcBef>
+              <a:buNone/>
+            </a:pPr>
+            <a:r>
+              <a:rPr lang="en-US" sz="2400" b="1" dirty="0">
+                <a:latin typeface="Consolas" pitchFamily="49" charset="0"/>
+                <a:cs typeface="Consolas" pitchFamily="49" charset="0"/>
+              </a:rPr>
+              <a:t>   elements numbered consecutively, starting</a:t>
+            </a:r>
+          </a:p>
+          <a:p>
+            <a:pPr>
+              <a:spcBef>
+                <a:spcPts val="0"/>
+              </a:spcBef>
+              <a:buNone/>
+            </a:pPr>
+            <a:r>
+              <a:rPr lang="en-US" sz="2400" b="1" dirty="0">
+                <a:latin typeface="Consolas" pitchFamily="49" charset="0"/>
+                <a:cs typeface="Consolas" pitchFamily="49" charset="0"/>
+              </a:rPr>
+              <a:t>   from 1</a:t>
+            </a:r>
+          </a:p>
+          <a:p>
+            <a:pPr>
+              <a:buNone/>
+            </a:pPr>
+            <a:endParaRPr lang="en-US" sz="2400" b="1" dirty="0">
+              <a:latin typeface="Consolas" pitchFamily="49" charset="0"/>
+              <a:cs typeface="Consolas" pitchFamily="49" charset="0"/>
+            </a:endParaRPr>
+          </a:p>
+          <a:p>
+            <a:pPr>
+              <a:buNone/>
+            </a:pPr>
+            <a:r>
+              <a:rPr lang="en-US" sz="2400" b="1" dirty="0">
+                <a:latin typeface="Consolas" pitchFamily="49" charset="0"/>
+                <a:cs typeface="Consolas" pitchFamily="49" charset="0"/>
+              </a:rPr>
+              <a:t>(number-list (list 22 44 33)) </a:t>
+            </a:r>
+          </a:p>
+          <a:p>
+            <a:pPr>
+              <a:buNone/>
+            </a:pPr>
+            <a:r>
+              <a:rPr lang="en-US" sz="2400" b="1" dirty="0">
+                <a:latin typeface="Consolas" pitchFamily="49" charset="0"/>
+                <a:cs typeface="Consolas" pitchFamily="49" charset="0"/>
+              </a:rPr>
+              <a:t>  = (list (list 1 22) (list 2 44) (list 3 33))</a:t>
+            </a:r>
+          </a:p>
+          <a:p>
+            <a:pPr>
+              <a:buNone/>
+            </a:pPr>
+            <a:r>
+              <a:rPr lang="en-US" sz="2400" b="1" dirty="0">
+                <a:latin typeface="Consolas" pitchFamily="49" charset="0"/>
+                <a:cs typeface="Consolas" pitchFamily="49" charset="0"/>
+              </a:rPr>
+              <a:t>(number-list    (list 44 33)) </a:t>
+            </a:r>
+          </a:p>
+          <a:p>
+            <a:pPr>
+              <a:buNone/>
+            </a:pPr>
+            <a:r>
+              <a:rPr lang="en-US" sz="2400" b="1" dirty="0">
+                <a:latin typeface="Consolas" pitchFamily="49" charset="0"/>
+                <a:cs typeface="Consolas" pitchFamily="49" charset="0"/>
+              </a:rPr>
+              <a:t>  = (list (list 1 44) (list 2 33))</a:t>
+            </a:r>
+          </a:p>
+          <a:p>
+            <a:pPr>
+              <a:spcBef>
+                <a:spcPts val="0"/>
+              </a:spcBef>
               <a:buNone/>
             </a:pPr>
             <a:endParaRPr lang="en-US" sz="2400" b="1" dirty="0" smtClean="0">
@@ -6991,118 +8290,29 @@
               <a:cs typeface="Consolas" pitchFamily="49" charset="0"/>
             </a:endParaRPr>
           </a:p>
-          <a:p>
-            <a:pPr>
-              <a:buNone/>
-            </a:pPr>
-            <a:r>
-              <a:rPr lang="en-US" sz="2400" b="1" dirty="0" smtClean="0">
-                <a:latin typeface="Consolas" pitchFamily="49" charset="0"/>
-                <a:cs typeface="Consolas" pitchFamily="49" charset="0"/>
-              </a:rPr>
-              <a:t>number-list : </a:t>
-            </a:r>
-            <a:r>
-              <a:rPr lang="en-US" sz="2400" b="1" dirty="0" err="1" smtClean="0">
-                <a:latin typeface="Consolas" pitchFamily="49" charset="0"/>
-                <a:cs typeface="Consolas" pitchFamily="49" charset="0"/>
-              </a:rPr>
-              <a:t>ListOf</a:t>
-            </a:r>
-            <a:r>
-              <a:rPr lang="en-US" sz="2400" b="1" dirty="0" smtClean="0">
-                <a:latin typeface="Consolas" pitchFamily="49" charset="0"/>
-                <a:cs typeface="Consolas" pitchFamily="49" charset="0"/>
-              </a:rPr>
-              <a:t>&lt;X&gt; -&gt; </a:t>
-            </a:r>
-            <a:r>
-              <a:rPr lang="en-US" sz="2400" b="1" dirty="0" err="1" smtClean="0">
-                <a:latin typeface="Consolas" pitchFamily="49" charset="0"/>
-                <a:cs typeface="Consolas" pitchFamily="49" charset="0"/>
-              </a:rPr>
-              <a:t>NumberedListOf</a:t>
-            </a:r>
-            <a:r>
-              <a:rPr lang="en-US" sz="2400" b="1" dirty="0" smtClean="0">
-                <a:latin typeface="Consolas" pitchFamily="49" charset="0"/>
-                <a:cs typeface="Consolas" pitchFamily="49" charset="0"/>
-              </a:rPr>
-              <a:t>&lt;X&gt;</a:t>
-            </a:r>
-          </a:p>
-          <a:p>
-            <a:pPr>
-              <a:buNone/>
-            </a:pPr>
-            <a:r>
-              <a:rPr lang="en-US" sz="2400" b="1" dirty="0" smtClean="0">
-                <a:latin typeface="Consolas" pitchFamily="49" charset="0"/>
-                <a:cs typeface="Consolas" pitchFamily="49" charset="0"/>
-              </a:rPr>
-              <a:t>produce a list like the original, but with the elements numbered.</a:t>
-            </a:r>
-          </a:p>
-          <a:p>
-            <a:pPr>
-              <a:buNone/>
-            </a:pPr>
-            <a:endParaRPr lang="en-US" sz="2400" b="1" dirty="0" smtClean="0">
-              <a:latin typeface="Consolas" pitchFamily="49" charset="0"/>
-              <a:cs typeface="Consolas" pitchFamily="49" charset="0"/>
-            </a:endParaRPr>
-          </a:p>
-          <a:p>
-            <a:pPr>
-              <a:buNone/>
-            </a:pPr>
-            <a:r>
-              <a:rPr lang="en-US" sz="2400" b="1" dirty="0" smtClean="0">
-                <a:latin typeface="Consolas" pitchFamily="49" charset="0"/>
-                <a:cs typeface="Consolas" pitchFamily="49" charset="0"/>
-              </a:rPr>
-              <a:t>(number-list (list 22 44 33)) </a:t>
-            </a:r>
-          </a:p>
-          <a:p>
-            <a:pPr>
-              <a:buNone/>
-            </a:pPr>
-            <a:r>
-              <a:rPr lang="en-US" sz="2400" b="1" dirty="0" smtClean="0">
-                <a:latin typeface="Consolas" pitchFamily="49" charset="0"/>
-                <a:cs typeface="Consolas" pitchFamily="49" charset="0"/>
-              </a:rPr>
-              <a:t>  = (list (list 1 22) (list 2 44) (list 3 33))</a:t>
-            </a:r>
-          </a:p>
-          <a:p>
-            <a:pPr>
-              <a:buNone/>
-            </a:pPr>
-            <a:r>
-              <a:rPr lang="en-US" sz="2400" b="1" dirty="0" smtClean="0">
-                <a:latin typeface="Consolas" pitchFamily="49" charset="0"/>
-                <a:cs typeface="Consolas" pitchFamily="49" charset="0"/>
-              </a:rPr>
-              <a:t>(number-list    (list 44 33)) </a:t>
-            </a:r>
-          </a:p>
-          <a:p>
-            <a:pPr>
-              <a:buNone/>
-            </a:pPr>
-            <a:r>
-              <a:rPr lang="en-US" sz="2400" b="1" dirty="0" smtClean="0">
-                <a:latin typeface="Consolas" pitchFamily="49" charset="0"/>
-                <a:cs typeface="Consolas" pitchFamily="49" charset="0"/>
-              </a:rPr>
-              <a:t>  = (list (list 1 44) (list 2 33))</a:t>
-            </a:r>
-            <a:endParaRPr lang="en-US" sz="2400" b="1" dirty="0">
-              <a:latin typeface="Consolas" pitchFamily="49" charset="0"/>
-              <a:cs typeface="Consolas" pitchFamily="49" charset="0"/>
-            </a:endParaRPr>
+        </p:txBody>
+      </p:sp>
+      <p:sp>
+        <p:nvSpPr>
+          <p:cNvPr id="5" name="Slide Number Placeholder 4"/>
+          <p:cNvSpPr>
+            <a:spLocks noGrp="1"/>
+          </p:cNvSpPr>
+          <p:nvPr>
+            <p:ph type="sldNum" sz="quarter" idx="12"/>
+          </p:nvPr>
+        </p:nvSpPr>
+        <p:spPr/>
+        <p:txBody>
+          <a:bodyPr/>
+          <a:lstStyle/>
+          <a:p>
+            <a:fld id="{9F4492BD-6A9C-48FC-AC76-0B4FE11194A1}" type="slidenum">
+              <a:rPr lang="en-US" smtClean="0"/>
+              <a:pPr/>
+              <a:t>4</a:t>
+            </a:fld>
+            <a:endParaRPr lang="en-US"/>
           </a:p>
         </p:txBody>
       </p:sp>
@@ -7167,30 +8377,6 @@
                 <a:schemeClr val="tx1"/>
               </a:solidFill>
             </a:endParaRPr>
-          </a:p>
-        </p:txBody>
-      </p:sp>
-      <p:sp>
-        <p:nvSpPr>
-          <p:cNvPr id="5" name="Slide Number Placeholder 4"/>
-          <p:cNvSpPr>
-            <a:spLocks noGrp="1"/>
-          </p:cNvSpPr>
-          <p:nvPr>
-            <p:ph type="sldNum" sz="quarter" idx="12"/>
-          </p:nvPr>
-        </p:nvSpPr>
-        <p:spPr/>
-        <p:txBody>
-          <a:bodyPr/>
-          <a:lstStyle/>
-          <a:p>
-            <a:fld id="{9F4492BD-6A9C-48FC-AC76-0B4FE11194A1}" type="slidenum">
-              <a:rPr lang="en-US" smtClean="0"/>
-              <a:pPr/>
-              <a:t>4</a:t>
-            </a:fld>
-            <a:endParaRPr lang="en-US"/>
           </a:p>
         </p:txBody>
       </p:sp>
@@ -7286,21 +8472,22 @@
               <a:t>;;   : </a:t>
             </a:r>
             <a:r>
-              <a:rPr lang="en-US" dirty="0" err="1"/>
-              <a:t>ListOf</a:t>
+              <a:rPr lang="en-US" dirty="0" err="1" smtClean="0"/>
+              <a:t>ListOfX</a:t>
+            </a:r>
+            <a:r>
+              <a:rPr lang="en-US" dirty="0" smtClean="0"/>
+              <a:t> </a:t>
             </a:r>
             <a:r>
               <a:rPr lang="en-US" dirty="0"/>
-              <a:t>&lt;X&gt; Number -&gt; </a:t>
-            </a:r>
-            <a:r>
-              <a:rPr lang="en-US" dirty="0" err="1"/>
-              <a:t>NumberedListOf</a:t>
-            </a:r>
-            <a:r>
-              <a:rPr lang="en-US" dirty="0"/>
-              <a:t>&lt;X&gt;</a:t>
-            </a:r>
+              <a:t>Number -&gt; </a:t>
+            </a:r>
+            <a:r>
+              <a:rPr lang="en-US" dirty="0" err="1" smtClean="0"/>
+              <a:t>NumberedListOfX</a:t>
+            </a:r>
+            <a:endParaRPr lang="en-US" dirty="0"/>
           </a:p>
           <a:p>
             <a:r>
@@ -7769,7 +8956,19 @@
               <a:rPr lang="en-US" sz="2400" dirty="0" smtClean="0">
                 <a:cs typeface="Courier New" pitchFamily="49" charset="0"/>
               </a:rPr>
-              <a:t>What must number-list-combiner do?  Let's look at our example.</a:t>
+              <a:t>What must </a:t>
+            </a:r>
+            <a:r>
+              <a:rPr lang="en-US" sz="2400" b="1" dirty="0" smtClean="0">
+                <a:cs typeface="Courier New" pitchFamily="49" charset="0"/>
+              </a:rPr>
+              <a:t>number-list-combiner</a:t>
+            </a:r>
+            <a:r>
+              <a:rPr lang="en-US" sz="2400" dirty="0" smtClean="0">
+                <a:cs typeface="Courier New" pitchFamily="49" charset="0"/>
+              </a:rPr>
+              <a:t> do?  Let's look at our example.</a:t>
             </a:r>
           </a:p>
           <a:p>
@@ -8019,6 +9218,30 @@
               <a:latin typeface="Consolas" pitchFamily="49" charset="0"/>
               <a:cs typeface="Consolas" pitchFamily="49" charset="0"/>
             </a:endParaRPr>
+          </a:p>
+        </p:txBody>
+      </p:sp>
+      <p:sp>
+        <p:nvSpPr>
+          <p:cNvPr id="5" name="Slide Number Placeholder 4"/>
+          <p:cNvSpPr>
+            <a:spLocks noGrp="1"/>
+          </p:cNvSpPr>
+          <p:nvPr>
+            <p:ph type="sldNum" sz="quarter" idx="12"/>
+          </p:nvPr>
+        </p:nvSpPr>
+        <p:spPr/>
+        <p:txBody>
+          <a:bodyPr/>
+          <a:lstStyle/>
+          <a:p>
+            <a:fld id="{9F4492BD-6A9C-48FC-AC76-0B4FE11194A1}" type="slidenum">
+              <a:rPr lang="en-US" smtClean="0"/>
+              <a:pPr/>
+              <a:t>7</a:t>
+            </a:fld>
+            <a:endParaRPr lang="en-US"/>
           </a:p>
         </p:txBody>
       </p:sp>
@@ -8098,30 +9321,6 @@
           </a:p>
         </p:txBody>
       </p:sp>
-      <p:sp>
-        <p:nvSpPr>
-          <p:cNvPr id="5" name="Slide Number Placeholder 4"/>
-          <p:cNvSpPr>
-            <a:spLocks noGrp="1"/>
-          </p:cNvSpPr>
-          <p:nvPr>
-            <p:ph type="sldNum" sz="quarter" idx="12"/>
-          </p:nvPr>
-        </p:nvSpPr>
-        <p:spPr/>
-        <p:txBody>
-          <a:bodyPr/>
-          <a:lstStyle/>
-          <a:p>
-            <a:fld id="{9F4492BD-6A9C-48FC-AC76-0B4FE11194A1}" type="slidenum">
-              <a:rPr lang="en-US" smtClean="0"/>
-              <a:pPr/>
-              <a:t>7</a:t>
-            </a:fld>
-            <a:endParaRPr lang="en-US"/>
-          </a:p>
-        </p:txBody>
-      </p:sp>
     </p:spTree>
     <p:extLst>
       <p:ext uri="{BB962C8B-B14F-4D97-AF65-F5344CB8AC3E}">
@@ -8261,6 +9460,30 @@
               <a:latin typeface="Consolas" pitchFamily="49" charset="0"/>
               <a:cs typeface="Consolas" pitchFamily="49" charset="0"/>
             </a:endParaRPr>
+          </a:p>
+        </p:txBody>
+      </p:sp>
+      <p:sp>
+        <p:nvSpPr>
+          <p:cNvPr id="11" name="Slide Number Placeholder 10"/>
+          <p:cNvSpPr>
+            <a:spLocks noGrp="1"/>
+          </p:cNvSpPr>
+          <p:nvPr>
+            <p:ph type="sldNum" sz="quarter" idx="12"/>
+          </p:nvPr>
+        </p:nvSpPr>
+        <p:spPr/>
+        <p:txBody>
+          <a:bodyPr/>
+          <a:lstStyle/>
+          <a:p>
+            <a:fld id="{9F4492BD-6A9C-48FC-AC76-0B4FE11194A1}" type="slidenum">
+              <a:rPr lang="en-US" smtClean="0"/>
+              <a:pPr/>
+              <a:t>8</a:t>
+            </a:fld>
+            <a:endParaRPr lang="en-US"/>
           </a:p>
         </p:txBody>
       </p:sp>
@@ -8646,30 +9869,6 @@
               <a:t>And a cons here</a:t>
             </a:r>
             <a:endParaRPr lang="en-US" sz="2400" dirty="0"/>
-          </a:p>
-        </p:txBody>
-      </p:sp>
-      <p:sp>
-        <p:nvSpPr>
-          <p:cNvPr id="11" name="Slide Number Placeholder 10"/>
-          <p:cNvSpPr>
-            <a:spLocks noGrp="1"/>
-          </p:cNvSpPr>
-          <p:nvPr>
-            <p:ph type="sldNum" sz="quarter" idx="12"/>
-          </p:nvPr>
-        </p:nvSpPr>
-        <p:spPr/>
-        <p:txBody>
-          <a:bodyPr/>
-          <a:lstStyle/>
-          <a:p>
-            <a:fld id="{9F4492BD-6A9C-48FC-AC76-0B4FE11194A1}" type="slidenum">
-              <a:rPr lang="en-US" smtClean="0"/>
-              <a:pPr/>
-              <a:t>8</a:t>
-            </a:fld>
-            <a:endParaRPr lang="en-US"/>
           </a:p>
         </p:txBody>
       </p:sp>
@@ -8950,28 +10149,44 @@
                 <a:latin typeface="Consolas" pitchFamily="49" charset="0"/>
                 <a:cs typeface="Consolas" pitchFamily="49" charset="0"/>
               </a:rPr>
-              <a:t>NumberedListOf</a:t>
+              <a:t>NumberedListOfX</a:t>
             </a:r>
             <a:r>
               <a:rPr lang="en-US" sz="1500" b="1" dirty="0" smtClean="0">
                 <a:latin typeface="Consolas" pitchFamily="49" charset="0"/>
                 <a:cs typeface="Consolas" pitchFamily="49" charset="0"/>
               </a:rPr>
-              <a:t>&lt;X&gt; -&gt; </a:t>
+              <a:t> </a:t>
+            </a:r>
+            <a:r>
+              <a:rPr lang="en-US" sz="1500" b="1" dirty="0" smtClean="0">
+                <a:latin typeface="Consolas" pitchFamily="49" charset="0"/>
+                <a:cs typeface="Consolas" pitchFamily="49" charset="0"/>
+              </a:rPr>
+              <a:t>-&gt; </a:t>
             </a:r>
             <a:r>
               <a:rPr lang="en-US" sz="1500" b="1" dirty="0" err="1" smtClean="0">
                 <a:latin typeface="Consolas" pitchFamily="49" charset="0"/>
                 <a:cs typeface="Consolas" pitchFamily="49" charset="0"/>
               </a:rPr>
-              <a:t>NumberedListOf</a:t>
-            </a:r>
+              <a:t>NumberedListOfX</a:t>
+            </a:r>
+            <a:endParaRPr lang="en-US" sz="1500" b="1" dirty="0" smtClean="0">
+              <a:latin typeface="Consolas" pitchFamily="49" charset="0"/>
+              <a:cs typeface="Consolas" pitchFamily="49" charset="0"/>
+            </a:endParaRPr>
+          </a:p>
+          <a:p>
+            <a:pPr>
+              <a:buNone/>
+            </a:pPr>
             <a:r>
               <a:rPr lang="en-US" sz="1500" b="1" dirty="0" smtClean="0">
                 <a:latin typeface="Consolas" pitchFamily="49" charset="0"/>
                 <a:cs typeface="Consolas" pitchFamily="49" charset="0"/>
               </a:rPr>
-              <a:t>&lt;X&gt;</a:t>
+              <a:t>;; GIVEN: x1 and ((1 x2) (2 x3) ...), </a:t>
             </a:r>
           </a:p>
           <a:p>
@@ -8983,7 +10198,7 @@
                 <a:latin typeface="Consolas" pitchFamily="49" charset="0"/>
                 <a:cs typeface="Consolas" pitchFamily="49" charset="0"/>
               </a:rPr>
-              <a:t>;; GIVEN: x1 and ((1 x2) (2 x3) ...), </a:t>
+              <a:t>;; RETURNS: the list ((1 x1) (2 x2) (3 x3) ...)</a:t>
             </a:r>
           </a:p>
           <a:p>
@@ -8995,45 +10210,33 @@
                 <a:latin typeface="Consolas" pitchFamily="49" charset="0"/>
                 <a:cs typeface="Consolas" pitchFamily="49" charset="0"/>
               </a:rPr>
-              <a:t>;; RETURNS: the list ((1 x1) (2 x2) (3 x3) ...)</a:t>
-            </a:r>
-          </a:p>
-          <a:p>
-            <a:pPr>
-              <a:buNone/>
-            </a:pPr>
+              <a:t>;; strategy: </a:t>
+            </a:r>
             <a:r>
               <a:rPr lang="en-US" sz="1500" b="1" dirty="0" smtClean="0">
                 <a:latin typeface="Consolas" pitchFamily="49" charset="0"/>
                 <a:cs typeface="Consolas" pitchFamily="49" charset="0"/>
               </a:rPr>
-              <a:t>;; strategy: </a:t>
-            </a:r>
+              <a:t>Use HOFC map on numbered-list</a:t>
+            </a:r>
+          </a:p>
+          <a:p>
+            <a:pPr>
+              <a:buNone/>
+            </a:pPr>
             <a:r>
               <a:rPr lang="en-US" sz="1500" b="1" dirty="0" smtClean="0">
                 <a:latin typeface="Consolas" pitchFamily="49" charset="0"/>
                 <a:cs typeface="Consolas" pitchFamily="49" charset="0"/>
               </a:rPr>
-              <a:t>SD </a:t>
+              <a:t>(define </a:t>
             </a:r>
             <a:r>
               <a:rPr lang="en-US" sz="1500" b="1" dirty="0" smtClean="0">
                 <a:latin typeface="Consolas" pitchFamily="49" charset="0"/>
                 <a:cs typeface="Consolas" pitchFamily="49" charset="0"/>
               </a:rPr>
-              <a:t>on (list Number X)</a:t>
-            </a:r>
-          </a:p>
-          <a:p>
-            <a:pPr>
-              <a:buNone/>
-            </a:pPr>
-            <a:r>
-              <a:rPr lang="en-US" sz="1500" b="1" dirty="0" smtClean="0">
-                <a:latin typeface="Consolas" pitchFamily="49" charset="0"/>
-                <a:cs typeface="Consolas" pitchFamily="49" charset="0"/>
-              </a:rPr>
-              <a:t>(define (number-list-combiner first-</a:t>
+              <a:t>(number-list-combiner first-</a:t>
             </a:r>
             <a:r>
               <a:rPr lang="en-US" sz="1500" b="1" dirty="0" err="1" smtClean="0">
@@ -9322,7 +10525,7 @@
 </file>
 
 <file path=ppt/theme/theme1.xml><?xml version="1.0" encoding="utf-8"?>
-<a:theme xmlns:a="http://schemas.openxmlformats.org/drawingml/2006/main" name="Office Theme">
+<a:theme xmlns:a="http://schemas.openxmlformats.org/drawingml/2006/main" name="1_Office Theme">
   <a:themeElements>
     <a:clrScheme name="Office">
       <a:dk1>
@@ -9396,6 +10599,7 @@
         <a:font script="Mong" typeface="Mongolian Baiti"/>
         <a:font script="Viet" typeface="Times New Roman"/>
         <a:font script="Uigh" typeface="Microsoft Uighur"/>
+        <a:font script="Geor" typeface="Sylfaen"/>
       </a:majorFont>
       <a:minorFont>
         <a:latin typeface="Calibri"/>
@@ -9430,6 +10634,7 @@
         <a:font script="Mong" typeface="Mongolian Baiti"/>
         <a:font script="Viet" typeface="Arial"/>
         <a:font script="Uigh" typeface="Microsoft Uighur"/>
+        <a:font script="Geor" typeface="Sylfaen"/>
       </a:minorFont>
     </a:fontScheme>
     <a:fmtScheme name="Office">
@@ -9618,7 +10823,7 @@
       </a:bodyPr>
       <a:lstStyle>
         <a:defPPr>
-          <a:defRPr dirty="0" smtClean="0">
+          <a:defRPr dirty="0">
             <a:solidFill>
               <a:schemeClr val="tx1"/>
             </a:solidFill>
@@ -9640,32 +10845,6 @@
         </a:fontRef>
       </a:style>
     </a:spDef>
-    <a:lnDef>
-      <a:spPr>
-        <a:ln w="12700">
-          <a:solidFill>
-            <a:schemeClr val="tx1"/>
-          </a:solidFill>
-          <a:tailEnd type="stealth" w="lg" len="lg"/>
-        </a:ln>
-      </a:spPr>
-      <a:bodyPr/>
-      <a:lstStyle/>
-      <a:style>
-        <a:lnRef idx="1">
-          <a:schemeClr val="accent1"/>
-        </a:lnRef>
-        <a:fillRef idx="0">
-          <a:schemeClr val="accent1"/>
-        </a:fillRef>
-        <a:effectRef idx="0">
-          <a:schemeClr val="accent1"/>
-        </a:effectRef>
-        <a:fontRef idx="minor">
-          <a:schemeClr val="tx1"/>
-        </a:fontRef>
-      </a:style>
-    </a:lnDef>
   </a:objectDefaults>
   <a:extraClrSchemeLst/>
 </a:theme>

--- a/Slides/Lesson 7.6 Context Arguments and Performance.pptx
+++ b/Slides/Lesson 7.6 Context Arguments and Performance.pptx
@@ -243,7 +243,7 @@
             <a:fld id="{CF8F25F6-E1EF-4065-8525-42EDEBD9BD22}" type="datetimeFigureOut">
               <a:rPr lang="en-US" smtClean="0"/>
               <a:pPr/>
-              <a:t>9/28/2015</a:t>
+              <a:t>10/25/2015</a:t>
             </a:fld>
             <a:endParaRPr lang="en-US"/>
           </a:p>
@@ -954,7 +954,7 @@
           <a:p>
             <a:fld id="{2F1F79F5-7BEC-496A-AFC7-876E38F64D71}" type="datetime1">
               <a:rPr lang="en-US" smtClean="0"/>
-              <a:t>9/28/2015</a:t>
+              <a:t>10/25/2015</a:t>
             </a:fld>
             <a:endParaRPr lang="en-US"/>
           </a:p>
@@ -1056,7 +1056,7 @@
           <a:p>
             <a:fld id="{0A05703A-7669-4FEA-9056-25299B4D29D4}" type="datetime1">
               <a:rPr lang="en-US" smtClean="0"/>
-              <a:t>9/28/2015</a:t>
+              <a:t>10/25/2015</a:t>
             </a:fld>
             <a:endParaRPr lang="en-US"/>
           </a:p>
@@ -1333,7 +1333,7 @@
           <a:p>
             <a:fld id="{6E5077B5-BB57-49DB-88CA-226A139E5C01}" type="datetime1">
               <a:rPr lang="en-US" smtClean="0"/>
-              <a:t>9/28/2015</a:t>
+              <a:t>10/25/2015</a:t>
             </a:fld>
             <a:endParaRPr lang="en-US"/>
           </a:p>
@@ -1586,7 +1586,7 @@
           <a:p>
             <a:fld id="{C48D9447-CBD6-49A1-89FD-8512A8CF8999}" type="datetime1">
               <a:rPr lang="en-US" smtClean="0"/>
-              <a:t>9/28/2015</a:t>
+              <a:t>10/25/2015</a:t>
             </a:fld>
             <a:endParaRPr lang="en-US"/>
           </a:p>
@@ -1756,7 +1756,7 @@
           <a:p>
             <a:fld id="{A3639A2A-823D-48B7-9ACE-7FAF42870BA9}" type="datetime1">
               <a:rPr lang="en-US" smtClean="0"/>
-              <a:t>9/28/2015</a:t>
+              <a:t>10/25/2015</a:t>
             </a:fld>
             <a:endParaRPr lang="en-US"/>
           </a:p>
@@ -1936,7 +1936,7 @@
           <a:p>
             <a:fld id="{ED1B6996-82E9-463C-972C-7B56056E426C}" type="datetime1">
               <a:rPr lang="en-US" smtClean="0"/>
-              <a:t>9/28/2015</a:t>
+              <a:t>10/25/2015</a:t>
             </a:fld>
             <a:endParaRPr lang="en-US"/>
           </a:p>
@@ -2119,7 +2119,7 @@
           <a:p>
             <a:fld id="{E22ED4DA-448D-4BB1-B935-CC112220207B}" type="datetime1">
               <a:rPr lang="en-US" smtClean="0"/>
-              <a:t>9/28/2015</a:t>
+              <a:t>10/25/2015</a:t>
             </a:fld>
             <a:endParaRPr lang="en-US"/>
           </a:p>
@@ -2301,7 +2301,7 @@
           <a:p>
             <a:fld id="{E22ED4DA-448D-4BB1-B935-CC112220207B}" type="datetime1">
               <a:rPr lang="en-US" smtClean="0"/>
-              <a:t>9/28/2015</a:t>
+              <a:t>10/25/2015</a:t>
             </a:fld>
             <a:endParaRPr lang="en-US"/>
           </a:p>
@@ -2570,7 +2570,7 @@
           <a:p>
             <a:fld id="{FF5D65A6-AB94-4435-B0B7-3743215FA46C}" type="datetime1">
               <a:rPr lang="en-US" smtClean="0"/>
-              <a:t>9/28/2015</a:t>
+              <a:t>10/25/2015</a:t>
             </a:fld>
             <a:endParaRPr lang="en-US"/>
           </a:p>
@@ -2755,7 +2755,7 @@
           <a:p>
             <a:fld id="{FF5D65A6-AB94-4435-B0B7-3743215FA46C}" type="datetime1">
               <a:rPr lang="en-US" smtClean="0"/>
-              <a:t>9/28/2015</a:t>
+              <a:t>10/25/2015</a:t>
             </a:fld>
             <a:endParaRPr lang="en-US"/>
           </a:p>
@@ -3057,7 +3057,7 @@
           <a:p>
             <a:fld id="{7C193DC4-6EF0-48C9-B29C-616106A645E1}" type="datetime1">
               <a:rPr lang="en-US" smtClean="0"/>
-              <a:t>9/28/2015</a:t>
+              <a:t>10/25/2015</a:t>
             </a:fld>
             <a:endParaRPr lang="en-US"/>
           </a:p>
@@ -3345,7 +3345,7 @@
           <a:p>
             <a:fld id="{5D1846AD-9252-4647-9435-4C2AC365653A}" type="datetime1">
               <a:rPr lang="en-US" smtClean="0"/>
-              <a:t>9/28/2015</a:t>
+              <a:t>10/25/2015</a:t>
             </a:fld>
             <a:endParaRPr lang="en-US"/>
           </a:p>
@@ -3767,7 +3767,7 @@
           <a:p>
             <a:fld id="{CE56DC10-3561-4063-A6AF-C1CC7A41040A}" type="datetime1">
               <a:rPr lang="en-US" smtClean="0"/>
-              <a:t>9/28/2015</a:t>
+              <a:t>10/25/2015</a:t>
             </a:fld>
             <a:endParaRPr lang="en-US"/>
           </a:p>
@@ -3885,7 +3885,7 @@
           <a:p>
             <a:fld id="{2F7B77F5-1464-4F6B-92A8-64FC8A508293}" type="datetime1">
               <a:rPr lang="en-US" smtClean="0"/>
-              <a:t>9/28/2015</a:t>
+              <a:t>10/25/2015</a:t>
             </a:fld>
             <a:endParaRPr lang="en-US"/>
           </a:p>
@@ -4117,7 +4117,7 @@
           <a:p>
             <a:fld id="{02B3F677-983B-48DB-ADFD-63FE6CBC7FB2}" type="datetime1">
               <a:rPr lang="en-US" smtClean="0"/>
-              <a:t>9/28/2015</a:t>
+              <a:t>10/25/2015</a:t>
             </a:fld>
             <a:endParaRPr lang="en-US"/>
           </a:p>
@@ -5856,7 +5856,19 @@
           <a:p>
             <a:r>
               <a:rPr lang="en-US" dirty="0" smtClean="0"/>
-              <a:t>Let's run both versions on lengths of different lengths and see how long they take to run.  Code for this is 07-1-number-list-with-stress-tests.rkt.</a:t>
+              <a:t>Let's run both versions </a:t>
+            </a:r>
+            <a:r>
+              <a:rPr lang="en-US" smtClean="0"/>
+              <a:t>on </a:t>
+            </a:r>
+            <a:r>
+              <a:rPr lang="en-US" smtClean="0"/>
+              <a:t>lists </a:t>
+            </a:r>
+            <a:r>
+              <a:rPr lang="en-US" dirty="0" smtClean="0"/>
+              <a:t>of different lengths and see how long they take to run.  Code for this is 07-1-number-list-with-stress-tests.rkt.</a:t>
             </a:r>
           </a:p>
           <a:p>
@@ -7674,11 +7686,7 @@
             </a:r>
             <a:r>
               <a:rPr lang="en-US" smtClean="0"/>
-              <a:t>Set </a:t>
-            </a:r>
-            <a:r>
-              <a:rPr lang="en-US" smtClean="0"/>
-              <a:t>7.</a:t>
+              <a:t>Set 7.</a:t>
             </a:r>
             <a:endParaRPr lang="en-US" dirty="0"/>
           </a:p>
@@ -10156,14 +10164,7 @@
                 <a:latin typeface="Consolas" pitchFamily="49" charset="0"/>
                 <a:cs typeface="Consolas" pitchFamily="49" charset="0"/>
               </a:rPr>
-              <a:t> </a:t>
-            </a:r>
-            <a:r>
-              <a:rPr lang="en-US" sz="1500" b="1" dirty="0" smtClean="0">
-                <a:latin typeface="Consolas" pitchFamily="49" charset="0"/>
-                <a:cs typeface="Consolas" pitchFamily="49" charset="0"/>
-              </a:rPr>
-              <a:t>-&gt; </a:t>
+              <a:t> -&gt; </a:t>
             </a:r>
             <a:r>
               <a:rPr lang="en-US" sz="1500" b="1" dirty="0" err="1" smtClean="0">
@@ -10210,33 +10211,19 @@
                 <a:latin typeface="Consolas" pitchFamily="49" charset="0"/>
                 <a:cs typeface="Consolas" pitchFamily="49" charset="0"/>
               </a:rPr>
-              <a:t>;; strategy: </a:t>
-            </a:r>
+              <a:t>;; strategy: Use HOFC map on numbered-list</a:t>
+            </a:r>
+          </a:p>
+          <a:p>
+            <a:pPr>
+              <a:buNone/>
+            </a:pPr>
             <a:r>
               <a:rPr lang="en-US" sz="1500" b="1" dirty="0" smtClean="0">
                 <a:latin typeface="Consolas" pitchFamily="49" charset="0"/>
                 <a:cs typeface="Consolas" pitchFamily="49" charset="0"/>
               </a:rPr>
-              <a:t>Use HOFC map on numbered-list</a:t>
-            </a:r>
-          </a:p>
-          <a:p>
-            <a:pPr>
-              <a:buNone/>
-            </a:pPr>
-            <a:r>
-              <a:rPr lang="en-US" sz="1500" b="1" dirty="0" smtClean="0">
-                <a:latin typeface="Consolas" pitchFamily="49" charset="0"/>
-                <a:cs typeface="Consolas" pitchFamily="49" charset="0"/>
-              </a:rPr>
-              <a:t>(define </a:t>
-            </a:r>
-            <a:r>
-              <a:rPr lang="en-US" sz="1500" b="1" dirty="0" smtClean="0">
-                <a:latin typeface="Consolas" pitchFamily="49" charset="0"/>
-                <a:cs typeface="Consolas" pitchFamily="49" charset="0"/>
-              </a:rPr>
-              <a:t>(number-list-combiner first-</a:t>
+              <a:t>(define (number-list-combiner first-</a:t>
             </a:r>
             <a:r>
               <a:rPr lang="en-US" sz="1500" b="1" dirty="0" err="1" smtClean="0">
